--- a/Session 6/06b - RNNs for Text.pptx
+++ b/Session 6/06b - RNNs for Text.pptx
@@ -5,7 +5,7 @@
     <p:sldMasterId id="2147483648" r:id="rId1"/>
   </p:sldMasterIdLst>
   <p:notesMasterIdLst>
-    <p:notesMasterId r:id="rId18"/>
+    <p:notesMasterId r:id="rId25"/>
   </p:notesMasterIdLst>
   <p:sldIdLst>
     <p:sldId id="256" r:id="rId2"/>
@@ -23,22 +23,29 @@
     <p:sldId id="268" r:id="rId14"/>
     <p:sldId id="269" r:id="rId15"/>
     <p:sldId id="271" r:id="rId16"/>
-    <p:sldId id="272" r:id="rId17"/>
+    <p:sldId id="274" r:id="rId17"/>
+    <p:sldId id="275" r:id="rId18"/>
+    <p:sldId id="276" r:id="rId19"/>
+    <p:sldId id="277" r:id="rId20"/>
+    <p:sldId id="278" r:id="rId21"/>
+    <p:sldId id="279" r:id="rId22"/>
+    <p:sldId id="280" r:id="rId23"/>
+    <p:sldId id="272" r:id="rId24"/>
   </p:sldIdLst>
   <p:sldSz cx="12192000" cy="6858000"/>
   <p:notesSz cx="6858000" cy="9144000"/>
   <p:embeddedFontLst>
     <p:embeddedFont>
       <p:font typeface="Economica" panose="02000506040000020004" pitchFamily="2" charset="77"/>
-      <p:regular r:id="rId19"/>
-      <p:bold r:id="rId20"/>
-      <p:italic r:id="rId21"/>
-      <p:boldItalic r:id="rId22"/>
+      <p:regular r:id="rId26"/>
+      <p:bold r:id="rId27"/>
+      <p:italic r:id="rId28"/>
+      <p:boldItalic r:id="rId29"/>
     </p:embeddedFont>
     <p:embeddedFont>
       <p:font typeface="Quicksand" pitchFamily="2" charset="77"/>
-      <p:regular r:id="rId23"/>
-      <p:bold r:id="rId24"/>
+      <p:regular r:id="rId30"/>
+      <p:bold r:id="rId31"/>
     </p:embeddedFont>
   </p:embeddedFontLst>
   <p:defaultTextStyle>
@@ -271,8 +278,11 @@
     </a:lvl9pPr>
   </p:defaultTextStyle>
   <p:extLst>
+    <p:ext uri="{EFAFB233-063F-42B5-8137-9DF3F51BA10A}">
+      <p15:sldGuideLst xmlns:p15="http://schemas.microsoft.com/office/powerpoint/2012/main"/>
+    </p:ext>
     <p:ext uri="http://customooxmlschemas.google.com/">
-      <go:slidesCustomData xmlns:go="http://customooxmlschemas.google.com/" xmlns:ahyp="http://schemas.microsoft.com/office/drawing/2018/hyperlinkcolor" xmlns:p15="http://schemas.microsoft.com/office/powerpoint/2012/main" xmlns:p14="http://schemas.microsoft.com/office/powerpoint/2010/main" xmlns:com="http://schemas.openxmlformats.org/drawingml/2006/compatibility" xmlns:pvml="urn:schemas-microsoft-com:office:powerpoint" xmlns:v="urn:schemas-microsoft-com:vml" xmlns:o="urn:schemas-microsoft-com:office:office" xmlns:dgm="http://schemas.openxmlformats.org/drawingml/2006/diagram" xmlns:c="http://schemas.openxmlformats.org/drawingml/2006/chart" xmlns:mv="urn:schemas-microsoft-com:mac:vml" xmlns:mc="http://schemas.openxmlformats.org/markup-compatibility/2006" xmlns="" r:id="rId29" roundtripDataSignature="AMtx7mhQWxUkfp1DOnPvK0uN84F+pN0S2g=="/>
+      <go:slidesCustomData xmlns:go="http://customooxmlschemas.google.com/" xmlns:ahyp="http://schemas.microsoft.com/office/drawing/2018/hyperlinkcolor" xmlns:p15="http://schemas.microsoft.com/office/powerpoint/2012/main" xmlns:p14="http://schemas.microsoft.com/office/powerpoint/2010/main" xmlns:com="http://schemas.openxmlformats.org/drawingml/2006/compatibility" xmlns:pvml="urn:schemas-microsoft-com:office:powerpoint" xmlns:v="urn:schemas-microsoft-com:vml" xmlns:o="urn:schemas-microsoft-com:office:office" xmlns:dgm="http://schemas.openxmlformats.org/drawingml/2006/diagram" xmlns:c="http://schemas.openxmlformats.org/drawingml/2006/chart" xmlns:mv="urn:schemas-microsoft-com:mac:vml" xmlns:mc="http://schemas.openxmlformats.org/markup-compatibility/2006" xmlns="" r:id="rId32" roundtripDataSignature="AMtx7mhQWxUkfp1DOnPvK0uN84F+pN0S2g=="/>
     </p:ext>
   </p:extLst>
 </p:presentation>
@@ -2636,6 +2646,1222 @@
   <p:cSld>
     <p:spTree>
       <p:nvGrpSpPr>
+        <p:cNvPr id="1" name="Shape 105"/>
+        <p:cNvGrpSpPr/>
+        <p:nvPr/>
+      </p:nvGrpSpPr>
+      <p:grpSpPr>
+        <a:xfrm>
+          <a:off x="0" y="0"/>
+          <a:ext cx="0" cy="0"/>
+          <a:chOff x="0" y="0"/>
+          <a:chExt cx="0" cy="0"/>
+        </a:xfrm>
+      </p:grpSpPr>
+      <p:sp>
+        <p:nvSpPr>
+          <p:cNvPr id="106" name="Google Shape;106;p3:notes"/>
+          <p:cNvSpPr>
+            <a:spLocks noGrp="1" noRot="1" noChangeAspect="1"/>
+          </p:cNvSpPr>
+          <p:nvPr>
+            <p:ph type="sldImg" idx="2"/>
+          </p:nvPr>
+        </p:nvSpPr>
+        <p:spPr>
+          <a:xfrm>
+            <a:off x="685800" y="1143000"/>
+            <a:ext cx="5486400" cy="3086100"/>
+          </a:xfrm>
+          <a:custGeom>
+            <a:avLst/>
+            <a:gdLst/>
+            <a:ahLst/>
+            <a:cxnLst/>
+            <a:rect l="l" t="t" r="r" b="b"/>
+            <a:pathLst>
+              <a:path w="120000" h="120000" extrusionOk="0">
+                <a:moveTo>
+                  <a:pt x="0" y="0"/>
+                </a:moveTo>
+                <a:lnTo>
+                  <a:pt x="120000" y="0"/>
+                </a:lnTo>
+                <a:lnTo>
+                  <a:pt x="120000" y="120000"/>
+                </a:lnTo>
+                <a:lnTo>
+                  <a:pt x="0" y="120000"/>
+                </a:lnTo>
+                <a:close/>
+              </a:path>
+            </a:pathLst>
+          </a:custGeom>
+          <a:noFill/>
+          <a:ln w="12700" cap="flat" cmpd="sng">
+            <a:solidFill>
+              <a:srgbClr val="000000"/>
+            </a:solidFill>
+            <a:prstDash val="solid"/>
+            <a:round/>
+            <a:headEnd type="none" w="sm" len="sm"/>
+            <a:tailEnd type="none" w="sm" len="sm"/>
+          </a:ln>
+        </p:spPr>
+      </p:sp>
+      <p:sp>
+        <p:nvSpPr>
+          <p:cNvPr id="107" name="Google Shape;107;p3:notes"/>
+          <p:cNvSpPr txBox="1">
+            <a:spLocks noGrp="1"/>
+          </p:cNvSpPr>
+          <p:nvPr>
+            <p:ph type="body" idx="1"/>
+          </p:nvPr>
+        </p:nvSpPr>
+        <p:spPr>
+          <a:xfrm>
+            <a:off x="685800" y="4400550"/>
+            <a:ext cx="5486400" cy="3600450"/>
+          </a:xfrm>
+          <a:prstGeom prst="rect">
+            <a:avLst/>
+          </a:prstGeom>
+          <a:noFill/>
+          <a:ln>
+            <a:noFill/>
+          </a:ln>
+        </p:spPr>
+        <p:txBody>
+          <a:bodyPr spcFirstLastPara="1" wrap="square" lIns="91425" tIns="45700" rIns="91425" bIns="45700" anchor="t" anchorCtr="0">
+            <a:noAutofit/>
+          </a:bodyPr>
+          <a:lstStyle/>
+          <a:p>
+            <a:pPr marL="0" lvl="0" indent="0" algn="l" rtl="0">
+              <a:spcBef>
+                <a:spcPts val="0"/>
+              </a:spcBef>
+              <a:spcAft>
+                <a:spcPts val="0"/>
+              </a:spcAft>
+              <a:buNone/>
+            </a:pPr>
+            <a:r>
+              <a:rPr lang="en-US"/>
+              <a:t>https://twitter.com/JackPosobiec/status/1630263716473077766?s=20</a:t>
+            </a:r>
+            <a:endParaRPr/>
+          </a:p>
+        </p:txBody>
+      </p:sp>
+      <p:sp>
+        <p:nvSpPr>
+          <p:cNvPr id="108" name="Google Shape;108;p3:notes"/>
+          <p:cNvSpPr txBox="1">
+            <a:spLocks noGrp="1"/>
+          </p:cNvSpPr>
+          <p:nvPr>
+            <p:ph type="sldNum" idx="12"/>
+          </p:nvPr>
+        </p:nvSpPr>
+        <p:spPr>
+          <a:xfrm>
+            <a:off x="3884613" y="8685213"/>
+            <a:ext cx="2971800" cy="458787"/>
+          </a:xfrm>
+          <a:prstGeom prst="rect">
+            <a:avLst/>
+          </a:prstGeom>
+          <a:noFill/>
+          <a:ln>
+            <a:noFill/>
+          </a:ln>
+        </p:spPr>
+        <p:txBody>
+          <a:bodyPr spcFirstLastPara="1" wrap="square" lIns="91425" tIns="45700" rIns="91425" bIns="45700" anchor="b" anchorCtr="0">
+            <a:noAutofit/>
+          </a:bodyPr>
+          <a:lstStyle/>
+          <a:p>
+            <a:pPr marL="0" lvl="0" indent="0" algn="r" rtl="0">
+              <a:spcBef>
+                <a:spcPts val="0"/>
+              </a:spcBef>
+              <a:spcAft>
+                <a:spcPts val="0"/>
+              </a:spcAft>
+              <a:buNone/>
+            </a:pPr>
+            <a:fld id="{00000000-1234-1234-1234-123412341234}" type="slidenum">
+              <a:rPr lang="en-US"/>
+              <a:t>16</a:t>
+            </a:fld>
+            <a:endParaRPr/>
+          </a:p>
+        </p:txBody>
+      </p:sp>
+    </p:spTree>
+  </p:cSld>
+  <p:clrMapOvr>
+    <a:masterClrMapping/>
+  </p:clrMapOvr>
+</p:notes>
+</file>
+
+<file path=ppt/notesSlides/notesSlide17.xml><?xml version="1.0" encoding="utf-8"?>
+<p:notes xmlns:a="http://schemas.openxmlformats.org/drawingml/2006/main" xmlns:r="http://schemas.openxmlformats.org/officeDocument/2006/relationships" xmlns:p="http://schemas.openxmlformats.org/presentationml/2006/main" showMasterSp="0" showMasterPhAnim="0">
+  <p:cSld>
+    <p:spTree>
+      <p:nvGrpSpPr>
+        <p:cNvPr id="1" name="Shape 116"/>
+        <p:cNvGrpSpPr/>
+        <p:nvPr/>
+      </p:nvGrpSpPr>
+      <p:grpSpPr>
+        <a:xfrm>
+          <a:off x="0" y="0"/>
+          <a:ext cx="0" cy="0"/>
+          <a:chOff x="0" y="0"/>
+          <a:chExt cx="0" cy="0"/>
+        </a:xfrm>
+      </p:grpSpPr>
+      <p:sp>
+        <p:nvSpPr>
+          <p:cNvPr id="117" name="Google Shape;117;p4:notes"/>
+          <p:cNvSpPr>
+            <a:spLocks noGrp="1" noRot="1" noChangeAspect="1"/>
+          </p:cNvSpPr>
+          <p:nvPr>
+            <p:ph type="sldImg" idx="2"/>
+          </p:nvPr>
+        </p:nvSpPr>
+        <p:spPr>
+          <a:xfrm>
+            <a:off x="685800" y="1143000"/>
+            <a:ext cx="5486400" cy="3086100"/>
+          </a:xfrm>
+          <a:custGeom>
+            <a:avLst/>
+            <a:gdLst/>
+            <a:ahLst/>
+            <a:cxnLst/>
+            <a:rect l="l" t="t" r="r" b="b"/>
+            <a:pathLst>
+              <a:path w="120000" h="120000" extrusionOk="0">
+                <a:moveTo>
+                  <a:pt x="0" y="0"/>
+                </a:moveTo>
+                <a:lnTo>
+                  <a:pt x="120000" y="0"/>
+                </a:lnTo>
+                <a:lnTo>
+                  <a:pt x="120000" y="120000"/>
+                </a:lnTo>
+                <a:lnTo>
+                  <a:pt x="0" y="120000"/>
+                </a:lnTo>
+                <a:close/>
+              </a:path>
+            </a:pathLst>
+          </a:custGeom>
+          <a:noFill/>
+          <a:ln w="12700" cap="flat" cmpd="sng">
+            <a:solidFill>
+              <a:srgbClr val="000000"/>
+            </a:solidFill>
+            <a:prstDash val="solid"/>
+            <a:round/>
+            <a:headEnd type="none" w="sm" len="sm"/>
+            <a:tailEnd type="none" w="sm" len="sm"/>
+          </a:ln>
+        </p:spPr>
+      </p:sp>
+      <p:sp>
+        <p:nvSpPr>
+          <p:cNvPr id="118" name="Google Shape;118;p4:notes"/>
+          <p:cNvSpPr txBox="1">
+            <a:spLocks noGrp="1"/>
+          </p:cNvSpPr>
+          <p:nvPr>
+            <p:ph type="body" idx="1"/>
+          </p:nvPr>
+        </p:nvSpPr>
+        <p:spPr>
+          <a:xfrm>
+            <a:off x="685800" y="4400550"/>
+            <a:ext cx="5486400" cy="3600450"/>
+          </a:xfrm>
+          <a:prstGeom prst="rect">
+            <a:avLst/>
+          </a:prstGeom>
+          <a:noFill/>
+          <a:ln>
+            <a:noFill/>
+          </a:ln>
+        </p:spPr>
+        <p:txBody>
+          <a:bodyPr spcFirstLastPara="1" wrap="square" lIns="91425" tIns="45700" rIns="91425" bIns="45700" anchor="t" anchorCtr="0">
+            <a:noAutofit/>
+          </a:bodyPr>
+          <a:lstStyle/>
+          <a:p>
+            <a:pPr marL="0" lvl="0" indent="0" algn="l" rtl="0">
+              <a:spcBef>
+                <a:spcPts val="0"/>
+              </a:spcBef>
+              <a:spcAft>
+                <a:spcPts val="0"/>
+              </a:spcAft>
+              <a:buNone/>
+            </a:pPr>
+            <a:r>
+              <a:rPr lang="en-US"/>
+              <a:t>https://www.youtube.com/watch?v=G06dEcZ-QTg</a:t>
+            </a:r>
+            <a:endParaRPr/>
+          </a:p>
+        </p:txBody>
+      </p:sp>
+      <p:sp>
+        <p:nvSpPr>
+          <p:cNvPr id="119" name="Google Shape;119;p4:notes"/>
+          <p:cNvSpPr txBox="1">
+            <a:spLocks noGrp="1"/>
+          </p:cNvSpPr>
+          <p:nvPr>
+            <p:ph type="sldNum" idx="12"/>
+          </p:nvPr>
+        </p:nvSpPr>
+        <p:spPr>
+          <a:xfrm>
+            <a:off x="3884613" y="8685213"/>
+            <a:ext cx="2971800" cy="458787"/>
+          </a:xfrm>
+          <a:prstGeom prst="rect">
+            <a:avLst/>
+          </a:prstGeom>
+          <a:noFill/>
+          <a:ln>
+            <a:noFill/>
+          </a:ln>
+        </p:spPr>
+        <p:txBody>
+          <a:bodyPr spcFirstLastPara="1" wrap="square" lIns="91425" tIns="45700" rIns="91425" bIns="45700" anchor="b" anchorCtr="0">
+            <a:noAutofit/>
+          </a:bodyPr>
+          <a:lstStyle/>
+          <a:p>
+            <a:pPr marL="0" lvl="0" indent="0" algn="r" rtl="0">
+              <a:spcBef>
+                <a:spcPts val="0"/>
+              </a:spcBef>
+              <a:spcAft>
+                <a:spcPts val="0"/>
+              </a:spcAft>
+              <a:buNone/>
+            </a:pPr>
+            <a:fld id="{00000000-1234-1234-1234-123412341234}" type="slidenum">
+              <a:rPr lang="en-US"/>
+              <a:t>17</a:t>
+            </a:fld>
+            <a:endParaRPr/>
+          </a:p>
+        </p:txBody>
+      </p:sp>
+    </p:spTree>
+  </p:cSld>
+  <p:clrMapOvr>
+    <a:masterClrMapping/>
+  </p:clrMapOvr>
+</p:notes>
+</file>
+
+<file path=ppt/notesSlides/notesSlide18.xml><?xml version="1.0" encoding="utf-8"?>
+<p:notes xmlns:a="http://schemas.openxmlformats.org/drawingml/2006/main" xmlns:r="http://schemas.openxmlformats.org/officeDocument/2006/relationships" xmlns:p="http://schemas.openxmlformats.org/presentationml/2006/main" showMasterSp="0" showMasterPhAnim="0">
+  <p:cSld>
+    <p:spTree>
+      <p:nvGrpSpPr>
+        <p:cNvPr id="1" name="Shape 124"/>
+        <p:cNvGrpSpPr/>
+        <p:nvPr/>
+      </p:nvGrpSpPr>
+      <p:grpSpPr>
+        <a:xfrm>
+          <a:off x="0" y="0"/>
+          <a:ext cx="0" cy="0"/>
+          <a:chOff x="0" y="0"/>
+          <a:chExt cx="0" cy="0"/>
+        </a:xfrm>
+      </p:grpSpPr>
+      <p:sp>
+        <p:nvSpPr>
+          <p:cNvPr id="125" name="Google Shape;125;p5:notes"/>
+          <p:cNvSpPr txBox="1">
+            <a:spLocks noGrp="1"/>
+          </p:cNvSpPr>
+          <p:nvPr>
+            <p:ph type="body" idx="1"/>
+          </p:nvPr>
+        </p:nvSpPr>
+        <p:spPr>
+          <a:xfrm>
+            <a:off x="685800" y="4400550"/>
+            <a:ext cx="5486400" cy="3600450"/>
+          </a:xfrm>
+          <a:prstGeom prst="rect">
+            <a:avLst/>
+          </a:prstGeom>
+        </p:spPr>
+        <p:txBody>
+          <a:bodyPr spcFirstLastPara="1" wrap="square" lIns="91425" tIns="45700" rIns="91425" bIns="45700" anchor="t" anchorCtr="0">
+            <a:noAutofit/>
+          </a:bodyPr>
+          <a:lstStyle/>
+          <a:p>
+            <a:pPr marL="0" lvl="0" indent="0" algn="l" rtl="0">
+              <a:spcBef>
+                <a:spcPts val="0"/>
+              </a:spcBef>
+              <a:spcAft>
+                <a:spcPts val="0"/>
+              </a:spcAft>
+              <a:buNone/>
+            </a:pPr>
+            <a:endParaRPr/>
+          </a:p>
+        </p:txBody>
+      </p:sp>
+      <p:sp>
+        <p:nvSpPr>
+          <p:cNvPr id="126" name="Google Shape;126;p5:notes"/>
+          <p:cNvSpPr>
+            <a:spLocks noGrp="1" noRot="1" noChangeAspect="1"/>
+          </p:cNvSpPr>
+          <p:nvPr>
+            <p:ph type="sldImg" idx="2"/>
+          </p:nvPr>
+        </p:nvSpPr>
+        <p:spPr>
+          <a:xfrm>
+            <a:off x="685800" y="1143000"/>
+            <a:ext cx="5486400" cy="3086100"/>
+          </a:xfrm>
+          <a:custGeom>
+            <a:avLst/>
+            <a:gdLst/>
+            <a:ahLst/>
+            <a:cxnLst/>
+            <a:rect l="l" t="t" r="r" b="b"/>
+            <a:pathLst>
+              <a:path w="120000" h="120000" extrusionOk="0">
+                <a:moveTo>
+                  <a:pt x="0" y="0"/>
+                </a:moveTo>
+                <a:lnTo>
+                  <a:pt x="120000" y="0"/>
+                </a:lnTo>
+                <a:lnTo>
+                  <a:pt x="120000" y="120000"/>
+                </a:lnTo>
+                <a:lnTo>
+                  <a:pt x="0" y="120000"/>
+                </a:lnTo>
+                <a:close/>
+              </a:path>
+            </a:pathLst>
+          </a:custGeom>
+        </p:spPr>
+      </p:sp>
+    </p:spTree>
+  </p:cSld>
+  <p:clrMapOvr>
+    <a:masterClrMapping/>
+  </p:clrMapOvr>
+</p:notes>
+</file>
+
+<file path=ppt/notesSlides/notesSlide19.xml><?xml version="1.0" encoding="utf-8"?>
+<p:notes xmlns:a="http://schemas.openxmlformats.org/drawingml/2006/main" xmlns:r="http://schemas.openxmlformats.org/officeDocument/2006/relationships" xmlns:p="http://schemas.openxmlformats.org/presentationml/2006/main" showMasterSp="0" showMasterPhAnim="0">
+  <p:cSld>
+    <p:spTree>
+      <p:nvGrpSpPr>
+        <p:cNvPr id="1" name="Shape 131"/>
+        <p:cNvGrpSpPr/>
+        <p:nvPr/>
+      </p:nvGrpSpPr>
+      <p:grpSpPr>
+        <a:xfrm>
+          <a:off x="0" y="0"/>
+          <a:ext cx="0" cy="0"/>
+          <a:chOff x="0" y="0"/>
+          <a:chExt cx="0" cy="0"/>
+        </a:xfrm>
+      </p:grpSpPr>
+      <p:sp>
+        <p:nvSpPr>
+          <p:cNvPr id="132" name="Google Shape;132;p6:notes"/>
+          <p:cNvSpPr>
+            <a:spLocks noGrp="1" noRot="1" noChangeAspect="1"/>
+          </p:cNvSpPr>
+          <p:nvPr>
+            <p:ph type="sldImg" idx="2"/>
+          </p:nvPr>
+        </p:nvSpPr>
+        <p:spPr>
+          <a:xfrm>
+            <a:off x="685800" y="1143000"/>
+            <a:ext cx="5486400" cy="3086100"/>
+          </a:xfrm>
+          <a:custGeom>
+            <a:avLst/>
+            <a:gdLst/>
+            <a:ahLst/>
+            <a:cxnLst/>
+            <a:rect l="l" t="t" r="r" b="b"/>
+            <a:pathLst>
+              <a:path w="120000" h="120000" extrusionOk="0">
+                <a:moveTo>
+                  <a:pt x="0" y="0"/>
+                </a:moveTo>
+                <a:lnTo>
+                  <a:pt x="120000" y="0"/>
+                </a:lnTo>
+                <a:lnTo>
+                  <a:pt x="120000" y="120000"/>
+                </a:lnTo>
+                <a:lnTo>
+                  <a:pt x="0" y="120000"/>
+                </a:lnTo>
+                <a:close/>
+              </a:path>
+            </a:pathLst>
+          </a:custGeom>
+          <a:noFill/>
+          <a:ln w="12700" cap="flat" cmpd="sng">
+            <a:solidFill>
+              <a:srgbClr val="000000"/>
+            </a:solidFill>
+            <a:prstDash val="solid"/>
+            <a:round/>
+            <a:headEnd type="none" w="sm" len="sm"/>
+            <a:tailEnd type="none" w="sm" len="sm"/>
+          </a:ln>
+        </p:spPr>
+      </p:sp>
+      <p:sp>
+        <p:nvSpPr>
+          <p:cNvPr id="133" name="Google Shape;133;p6:notes"/>
+          <p:cNvSpPr txBox="1">
+            <a:spLocks noGrp="1"/>
+          </p:cNvSpPr>
+          <p:nvPr>
+            <p:ph type="body" idx="1"/>
+          </p:nvPr>
+        </p:nvSpPr>
+        <p:spPr>
+          <a:xfrm>
+            <a:off x="685800" y="4400550"/>
+            <a:ext cx="5486400" cy="3600450"/>
+          </a:xfrm>
+          <a:prstGeom prst="rect">
+            <a:avLst/>
+          </a:prstGeom>
+          <a:noFill/>
+          <a:ln>
+            <a:noFill/>
+          </a:ln>
+        </p:spPr>
+        <p:txBody>
+          <a:bodyPr spcFirstLastPara="1" wrap="square" lIns="91425" tIns="45700" rIns="91425" bIns="45700" anchor="t" anchorCtr="0">
+            <a:noAutofit/>
+          </a:bodyPr>
+          <a:lstStyle/>
+          <a:p>
+            <a:pPr marL="0" lvl="0" indent="0" algn="l" rtl="0">
+              <a:spcBef>
+                <a:spcPts val="0"/>
+              </a:spcBef>
+              <a:spcAft>
+                <a:spcPts val="0"/>
+              </a:spcAft>
+              <a:buNone/>
+            </a:pPr>
+            <a:r>
+              <a:rPr lang="en-US"/>
+              <a:t>We pair a discriminator with the generator. Discriminator is a standard network we’ve seen before; it’s a classifier. It takes in an image, and predicts whether the image is real or fake. </a:t>
+            </a:r>
+            <a:endParaRPr/>
+          </a:p>
+        </p:txBody>
+      </p:sp>
+      <p:sp>
+        <p:nvSpPr>
+          <p:cNvPr id="134" name="Google Shape;134;p6:notes"/>
+          <p:cNvSpPr txBox="1">
+            <a:spLocks noGrp="1"/>
+          </p:cNvSpPr>
+          <p:nvPr>
+            <p:ph type="sldNum" idx="12"/>
+          </p:nvPr>
+        </p:nvSpPr>
+        <p:spPr>
+          <a:xfrm>
+            <a:off x="3884613" y="8685213"/>
+            <a:ext cx="2971800" cy="458787"/>
+          </a:xfrm>
+          <a:prstGeom prst="rect">
+            <a:avLst/>
+          </a:prstGeom>
+          <a:noFill/>
+          <a:ln>
+            <a:noFill/>
+          </a:ln>
+        </p:spPr>
+        <p:txBody>
+          <a:bodyPr spcFirstLastPara="1" wrap="square" lIns="91425" tIns="45700" rIns="91425" bIns="45700" anchor="b" anchorCtr="0">
+            <a:noAutofit/>
+          </a:bodyPr>
+          <a:lstStyle/>
+          <a:p>
+            <a:pPr marL="0" lvl="0" indent="0" algn="r" rtl="0">
+              <a:spcBef>
+                <a:spcPts val="0"/>
+              </a:spcBef>
+              <a:spcAft>
+                <a:spcPts val="0"/>
+              </a:spcAft>
+              <a:buNone/>
+            </a:pPr>
+            <a:fld id="{00000000-1234-1234-1234-123412341234}" type="slidenum">
+              <a:rPr lang="en-US"/>
+              <a:t>19</a:t>
+            </a:fld>
+            <a:endParaRPr/>
+          </a:p>
+        </p:txBody>
+      </p:sp>
+    </p:spTree>
+  </p:cSld>
+  <p:clrMapOvr>
+    <a:masterClrMapping/>
+  </p:clrMapOvr>
+</p:notes>
+</file>
+
+<file path=ppt/notesSlides/notesSlide2.xml><?xml version="1.0" encoding="utf-8"?>
+<p:notes xmlns:a="http://schemas.openxmlformats.org/drawingml/2006/main" xmlns:r="http://schemas.openxmlformats.org/officeDocument/2006/relationships" xmlns:p="http://schemas.openxmlformats.org/presentationml/2006/main" showMasterSp="0" showMasterPhAnim="0">
+  <p:cSld>
+    <p:spTree>
+      <p:nvGrpSpPr>
+        <p:cNvPr id="1" name="Shape 98"/>
+        <p:cNvGrpSpPr/>
+        <p:nvPr/>
+      </p:nvGrpSpPr>
+      <p:grpSpPr>
+        <a:xfrm>
+          <a:off x="0" y="0"/>
+          <a:ext cx="0" cy="0"/>
+          <a:chOff x="0" y="0"/>
+          <a:chExt cx="0" cy="0"/>
+        </a:xfrm>
+      </p:grpSpPr>
+      <p:sp>
+        <p:nvSpPr>
+          <p:cNvPr id="99" name="Google Shape;99;p2:notes"/>
+          <p:cNvSpPr txBox="1">
+            <a:spLocks noGrp="1"/>
+          </p:cNvSpPr>
+          <p:nvPr>
+            <p:ph type="body" idx="1"/>
+          </p:nvPr>
+        </p:nvSpPr>
+        <p:spPr>
+          <a:xfrm>
+            <a:off x="685800" y="4400550"/>
+            <a:ext cx="5486400" cy="3600450"/>
+          </a:xfrm>
+          <a:prstGeom prst="rect">
+            <a:avLst/>
+          </a:prstGeom>
+        </p:spPr>
+        <p:txBody>
+          <a:bodyPr spcFirstLastPara="1" wrap="square" lIns="91425" tIns="45700" rIns="91425" bIns="45700" anchor="t" anchorCtr="0">
+            <a:noAutofit/>
+          </a:bodyPr>
+          <a:lstStyle/>
+          <a:p>
+            <a:pPr marL="0" lvl="0" indent="0" algn="l" rtl="0">
+              <a:spcBef>
+                <a:spcPts val="0"/>
+              </a:spcBef>
+              <a:spcAft>
+                <a:spcPts val="0"/>
+              </a:spcAft>
+              <a:buNone/>
+            </a:pPr>
+            <a:endParaRPr/>
+          </a:p>
+        </p:txBody>
+      </p:sp>
+      <p:sp>
+        <p:nvSpPr>
+          <p:cNvPr id="100" name="Google Shape;100;p2:notes"/>
+          <p:cNvSpPr>
+            <a:spLocks noGrp="1" noRot="1" noChangeAspect="1"/>
+          </p:cNvSpPr>
+          <p:nvPr>
+            <p:ph type="sldImg" idx="2"/>
+          </p:nvPr>
+        </p:nvSpPr>
+        <p:spPr>
+          <a:xfrm>
+            <a:off x="685800" y="1143000"/>
+            <a:ext cx="5486400" cy="3086100"/>
+          </a:xfrm>
+          <a:custGeom>
+            <a:avLst/>
+            <a:gdLst/>
+            <a:ahLst/>
+            <a:cxnLst/>
+            <a:rect l="l" t="t" r="r" b="b"/>
+            <a:pathLst>
+              <a:path w="120000" h="120000" extrusionOk="0">
+                <a:moveTo>
+                  <a:pt x="0" y="0"/>
+                </a:moveTo>
+                <a:lnTo>
+                  <a:pt x="120000" y="0"/>
+                </a:lnTo>
+                <a:lnTo>
+                  <a:pt x="120000" y="120000"/>
+                </a:lnTo>
+                <a:lnTo>
+                  <a:pt x="0" y="120000"/>
+                </a:lnTo>
+                <a:close/>
+              </a:path>
+            </a:pathLst>
+          </a:custGeom>
+        </p:spPr>
+      </p:sp>
+    </p:spTree>
+  </p:cSld>
+  <p:clrMapOvr>
+    <a:masterClrMapping/>
+  </p:clrMapOvr>
+</p:notes>
+</file>
+
+<file path=ppt/notesSlides/notesSlide20.xml><?xml version="1.0" encoding="utf-8"?>
+<p:notes xmlns:a="http://schemas.openxmlformats.org/drawingml/2006/main" xmlns:r="http://schemas.openxmlformats.org/officeDocument/2006/relationships" xmlns:p="http://schemas.openxmlformats.org/presentationml/2006/main" showMasterSp="0" showMasterPhAnim="0">
+  <p:cSld>
+    <p:spTree>
+      <p:nvGrpSpPr>
+        <p:cNvPr id="1" name="Shape 139"/>
+        <p:cNvGrpSpPr/>
+        <p:nvPr/>
+      </p:nvGrpSpPr>
+      <p:grpSpPr>
+        <a:xfrm>
+          <a:off x="0" y="0"/>
+          <a:ext cx="0" cy="0"/>
+          <a:chOff x="0" y="0"/>
+          <a:chExt cx="0" cy="0"/>
+        </a:xfrm>
+      </p:grpSpPr>
+      <p:sp>
+        <p:nvSpPr>
+          <p:cNvPr id="140" name="Google Shape;140;p7:notes"/>
+          <p:cNvSpPr>
+            <a:spLocks noGrp="1" noRot="1" noChangeAspect="1"/>
+          </p:cNvSpPr>
+          <p:nvPr>
+            <p:ph type="sldImg" idx="2"/>
+          </p:nvPr>
+        </p:nvSpPr>
+        <p:spPr>
+          <a:xfrm>
+            <a:off x="685800" y="1143000"/>
+            <a:ext cx="5486400" cy="3086100"/>
+          </a:xfrm>
+          <a:custGeom>
+            <a:avLst/>
+            <a:gdLst/>
+            <a:ahLst/>
+            <a:cxnLst/>
+            <a:rect l="l" t="t" r="r" b="b"/>
+            <a:pathLst>
+              <a:path w="120000" h="120000" extrusionOk="0">
+                <a:moveTo>
+                  <a:pt x="0" y="0"/>
+                </a:moveTo>
+                <a:lnTo>
+                  <a:pt x="120000" y="0"/>
+                </a:lnTo>
+                <a:lnTo>
+                  <a:pt x="120000" y="120000"/>
+                </a:lnTo>
+                <a:lnTo>
+                  <a:pt x="0" y="120000"/>
+                </a:lnTo>
+                <a:close/>
+              </a:path>
+            </a:pathLst>
+          </a:custGeom>
+          <a:noFill/>
+          <a:ln w="12700" cap="flat" cmpd="sng">
+            <a:solidFill>
+              <a:srgbClr val="000000"/>
+            </a:solidFill>
+            <a:prstDash val="solid"/>
+            <a:round/>
+            <a:headEnd type="none" w="sm" len="sm"/>
+            <a:tailEnd type="none" w="sm" len="sm"/>
+          </a:ln>
+        </p:spPr>
+      </p:sp>
+      <p:sp>
+        <p:nvSpPr>
+          <p:cNvPr id="141" name="Google Shape;141;p7:notes"/>
+          <p:cNvSpPr txBox="1">
+            <a:spLocks noGrp="1"/>
+          </p:cNvSpPr>
+          <p:nvPr>
+            <p:ph type="body" idx="1"/>
+          </p:nvPr>
+        </p:nvSpPr>
+        <p:spPr>
+          <a:xfrm>
+            <a:off x="685800" y="4400550"/>
+            <a:ext cx="5486400" cy="3600450"/>
+          </a:xfrm>
+          <a:prstGeom prst="rect">
+            <a:avLst/>
+          </a:prstGeom>
+          <a:noFill/>
+          <a:ln>
+            <a:noFill/>
+          </a:ln>
+        </p:spPr>
+        <p:txBody>
+          <a:bodyPr spcFirstLastPara="1" wrap="square" lIns="91425" tIns="45700" rIns="91425" bIns="45700" anchor="t" anchorCtr="0">
+            <a:noAutofit/>
+          </a:bodyPr>
+          <a:lstStyle/>
+          <a:p>
+            <a:pPr marL="0" lvl="0" indent="0" algn="l" rtl="0">
+              <a:spcBef>
+                <a:spcPts val="0"/>
+              </a:spcBef>
+              <a:spcAft>
+                <a:spcPts val="0"/>
+              </a:spcAft>
+              <a:buNone/>
+            </a:pPr>
+            <a:r>
+              <a:rPr lang="en-US"/>
+              <a:t>We pair a discriminator with the generator. Discriminator is a standard network we’ve seen before; it’s a classifier. It takes in an image, and predicts whether the image is real or fake. </a:t>
+            </a:r>
+            <a:endParaRPr/>
+          </a:p>
+        </p:txBody>
+      </p:sp>
+      <p:sp>
+        <p:nvSpPr>
+          <p:cNvPr id="142" name="Google Shape;142;p7:notes"/>
+          <p:cNvSpPr txBox="1">
+            <a:spLocks noGrp="1"/>
+          </p:cNvSpPr>
+          <p:nvPr>
+            <p:ph type="sldNum" idx="12"/>
+          </p:nvPr>
+        </p:nvSpPr>
+        <p:spPr>
+          <a:xfrm>
+            <a:off x="3884613" y="8685213"/>
+            <a:ext cx="2971800" cy="458787"/>
+          </a:xfrm>
+          <a:prstGeom prst="rect">
+            <a:avLst/>
+          </a:prstGeom>
+          <a:noFill/>
+          <a:ln>
+            <a:noFill/>
+          </a:ln>
+        </p:spPr>
+        <p:txBody>
+          <a:bodyPr spcFirstLastPara="1" wrap="square" lIns="91425" tIns="45700" rIns="91425" bIns="45700" anchor="b" anchorCtr="0">
+            <a:noAutofit/>
+          </a:bodyPr>
+          <a:lstStyle/>
+          <a:p>
+            <a:pPr marL="0" lvl="0" indent="0" algn="r" rtl="0">
+              <a:spcBef>
+                <a:spcPts val="0"/>
+              </a:spcBef>
+              <a:spcAft>
+                <a:spcPts val="0"/>
+              </a:spcAft>
+              <a:buNone/>
+            </a:pPr>
+            <a:fld id="{00000000-1234-1234-1234-123412341234}" type="slidenum">
+              <a:rPr lang="en-US"/>
+              <a:t>20</a:t>
+            </a:fld>
+            <a:endParaRPr/>
+          </a:p>
+        </p:txBody>
+      </p:sp>
+    </p:spTree>
+  </p:cSld>
+  <p:clrMapOvr>
+    <a:masterClrMapping/>
+  </p:clrMapOvr>
+</p:notes>
+</file>
+
+<file path=ppt/notesSlides/notesSlide21.xml><?xml version="1.0" encoding="utf-8"?>
+<p:notes xmlns:a="http://schemas.openxmlformats.org/drawingml/2006/main" xmlns:r="http://schemas.openxmlformats.org/officeDocument/2006/relationships" xmlns:p="http://schemas.openxmlformats.org/presentationml/2006/main" showMasterSp="0" showMasterPhAnim="0">
+  <p:cSld>
+    <p:spTree>
+      <p:nvGrpSpPr>
+        <p:cNvPr id="1" name="Shape 148"/>
+        <p:cNvGrpSpPr/>
+        <p:nvPr/>
+      </p:nvGrpSpPr>
+      <p:grpSpPr>
+        <a:xfrm>
+          <a:off x="0" y="0"/>
+          <a:ext cx="0" cy="0"/>
+          <a:chOff x="0" y="0"/>
+          <a:chExt cx="0" cy="0"/>
+        </a:xfrm>
+      </p:grpSpPr>
+      <p:sp>
+        <p:nvSpPr>
+          <p:cNvPr id="149" name="Google Shape;149;p8:notes"/>
+          <p:cNvSpPr>
+            <a:spLocks noGrp="1" noRot="1" noChangeAspect="1"/>
+          </p:cNvSpPr>
+          <p:nvPr>
+            <p:ph type="sldImg" idx="2"/>
+          </p:nvPr>
+        </p:nvSpPr>
+        <p:spPr>
+          <a:xfrm>
+            <a:off x="685800" y="1143000"/>
+            <a:ext cx="5486400" cy="3086100"/>
+          </a:xfrm>
+          <a:custGeom>
+            <a:avLst/>
+            <a:gdLst/>
+            <a:ahLst/>
+            <a:cxnLst/>
+            <a:rect l="l" t="t" r="r" b="b"/>
+            <a:pathLst>
+              <a:path w="120000" h="120000" extrusionOk="0">
+                <a:moveTo>
+                  <a:pt x="0" y="0"/>
+                </a:moveTo>
+                <a:lnTo>
+                  <a:pt x="120000" y="0"/>
+                </a:lnTo>
+                <a:lnTo>
+                  <a:pt x="120000" y="120000"/>
+                </a:lnTo>
+                <a:lnTo>
+                  <a:pt x="0" y="120000"/>
+                </a:lnTo>
+                <a:close/>
+              </a:path>
+            </a:pathLst>
+          </a:custGeom>
+          <a:noFill/>
+          <a:ln w="12700" cap="flat" cmpd="sng">
+            <a:solidFill>
+              <a:srgbClr val="000000"/>
+            </a:solidFill>
+            <a:prstDash val="solid"/>
+            <a:round/>
+            <a:headEnd type="none" w="sm" len="sm"/>
+            <a:tailEnd type="none" w="sm" len="sm"/>
+          </a:ln>
+        </p:spPr>
+      </p:sp>
+      <p:sp>
+        <p:nvSpPr>
+          <p:cNvPr id="150" name="Google Shape;150;p8:notes"/>
+          <p:cNvSpPr txBox="1">
+            <a:spLocks noGrp="1"/>
+          </p:cNvSpPr>
+          <p:nvPr>
+            <p:ph type="body" idx="1"/>
+          </p:nvPr>
+        </p:nvSpPr>
+        <p:spPr>
+          <a:xfrm>
+            <a:off x="685800" y="4400550"/>
+            <a:ext cx="5486400" cy="3600450"/>
+          </a:xfrm>
+          <a:prstGeom prst="rect">
+            <a:avLst/>
+          </a:prstGeom>
+          <a:noFill/>
+          <a:ln>
+            <a:noFill/>
+          </a:ln>
+        </p:spPr>
+        <p:txBody>
+          <a:bodyPr spcFirstLastPara="1" wrap="square" lIns="91425" tIns="45700" rIns="91425" bIns="45700" anchor="t" anchorCtr="0">
+            <a:noAutofit/>
+          </a:bodyPr>
+          <a:lstStyle/>
+          <a:p>
+            <a:pPr marL="0" lvl="0" indent="0" algn="l" rtl="0">
+              <a:spcBef>
+                <a:spcPts val="0"/>
+              </a:spcBef>
+              <a:spcAft>
+                <a:spcPts val="0"/>
+              </a:spcAft>
+              <a:buNone/>
+            </a:pPr>
+            <a:r>
+              <a:rPr lang="en-US"/>
+              <a:t>We pair a discriminator with the generator. Discriminator is a standard network we’ve seen before; it’s a classifier. It takes in an image, and predicts whether the image is real or fake. </a:t>
+            </a:r>
+            <a:endParaRPr/>
+          </a:p>
+        </p:txBody>
+      </p:sp>
+      <p:sp>
+        <p:nvSpPr>
+          <p:cNvPr id="151" name="Google Shape;151;p8:notes"/>
+          <p:cNvSpPr txBox="1">
+            <a:spLocks noGrp="1"/>
+          </p:cNvSpPr>
+          <p:nvPr>
+            <p:ph type="sldNum" idx="12"/>
+          </p:nvPr>
+        </p:nvSpPr>
+        <p:spPr>
+          <a:xfrm>
+            <a:off x="3884613" y="8685213"/>
+            <a:ext cx="2971800" cy="458787"/>
+          </a:xfrm>
+          <a:prstGeom prst="rect">
+            <a:avLst/>
+          </a:prstGeom>
+          <a:noFill/>
+          <a:ln>
+            <a:noFill/>
+          </a:ln>
+        </p:spPr>
+        <p:txBody>
+          <a:bodyPr spcFirstLastPara="1" wrap="square" lIns="91425" tIns="45700" rIns="91425" bIns="45700" anchor="b" anchorCtr="0">
+            <a:noAutofit/>
+          </a:bodyPr>
+          <a:lstStyle/>
+          <a:p>
+            <a:pPr marL="0" lvl="0" indent="0" algn="r" rtl="0">
+              <a:spcBef>
+                <a:spcPts val="0"/>
+              </a:spcBef>
+              <a:spcAft>
+                <a:spcPts val="0"/>
+              </a:spcAft>
+              <a:buNone/>
+            </a:pPr>
+            <a:fld id="{00000000-1234-1234-1234-123412341234}" type="slidenum">
+              <a:rPr lang="en-US"/>
+              <a:t>21</a:t>
+            </a:fld>
+            <a:endParaRPr/>
+          </a:p>
+        </p:txBody>
+      </p:sp>
+    </p:spTree>
+  </p:cSld>
+  <p:clrMapOvr>
+    <a:masterClrMapping/>
+  </p:clrMapOvr>
+</p:notes>
+</file>
+
+<file path=ppt/notesSlides/notesSlide22.xml><?xml version="1.0" encoding="utf-8"?>
+<p:notes xmlns:a="http://schemas.openxmlformats.org/drawingml/2006/main" xmlns:r="http://schemas.openxmlformats.org/officeDocument/2006/relationships" xmlns:p="http://schemas.openxmlformats.org/presentationml/2006/main" showMasterSp="0" showMasterPhAnim="0">
+  <p:cSld>
+    <p:spTree>
+      <p:nvGrpSpPr>
+        <p:cNvPr id="1" name="Shape 155"/>
+        <p:cNvGrpSpPr/>
+        <p:nvPr/>
+      </p:nvGrpSpPr>
+      <p:grpSpPr>
+        <a:xfrm>
+          <a:off x="0" y="0"/>
+          <a:ext cx="0" cy="0"/>
+          <a:chOff x="0" y="0"/>
+          <a:chExt cx="0" cy="0"/>
+        </a:xfrm>
+      </p:grpSpPr>
+      <p:sp>
+        <p:nvSpPr>
+          <p:cNvPr id="156" name="Google Shape;156;p9:notes"/>
+          <p:cNvSpPr>
+            <a:spLocks noGrp="1" noRot="1" noChangeAspect="1"/>
+          </p:cNvSpPr>
+          <p:nvPr>
+            <p:ph type="sldImg" idx="2"/>
+          </p:nvPr>
+        </p:nvSpPr>
+        <p:spPr>
+          <a:xfrm>
+            <a:off x="685800" y="1143000"/>
+            <a:ext cx="5486400" cy="3086100"/>
+          </a:xfrm>
+          <a:custGeom>
+            <a:avLst/>
+            <a:gdLst/>
+            <a:ahLst/>
+            <a:cxnLst/>
+            <a:rect l="l" t="t" r="r" b="b"/>
+            <a:pathLst>
+              <a:path w="120000" h="120000" extrusionOk="0">
+                <a:moveTo>
+                  <a:pt x="0" y="0"/>
+                </a:moveTo>
+                <a:lnTo>
+                  <a:pt x="120000" y="0"/>
+                </a:lnTo>
+                <a:lnTo>
+                  <a:pt x="120000" y="120000"/>
+                </a:lnTo>
+                <a:lnTo>
+                  <a:pt x="0" y="120000"/>
+                </a:lnTo>
+                <a:close/>
+              </a:path>
+            </a:pathLst>
+          </a:custGeom>
+          <a:noFill/>
+          <a:ln w="12700" cap="flat" cmpd="sng">
+            <a:solidFill>
+              <a:srgbClr val="000000"/>
+            </a:solidFill>
+            <a:prstDash val="solid"/>
+            <a:round/>
+            <a:headEnd type="none" w="sm" len="sm"/>
+            <a:tailEnd type="none" w="sm" len="sm"/>
+          </a:ln>
+        </p:spPr>
+      </p:sp>
+      <p:sp>
+        <p:nvSpPr>
+          <p:cNvPr id="157" name="Google Shape;157;p9:notes"/>
+          <p:cNvSpPr txBox="1">
+            <a:spLocks noGrp="1"/>
+          </p:cNvSpPr>
+          <p:nvPr>
+            <p:ph type="body" idx="1"/>
+          </p:nvPr>
+        </p:nvSpPr>
+        <p:spPr>
+          <a:xfrm>
+            <a:off x="685800" y="4400550"/>
+            <a:ext cx="5486400" cy="3600450"/>
+          </a:xfrm>
+          <a:prstGeom prst="rect">
+            <a:avLst/>
+          </a:prstGeom>
+          <a:noFill/>
+          <a:ln>
+            <a:noFill/>
+          </a:ln>
+        </p:spPr>
+        <p:txBody>
+          <a:bodyPr spcFirstLastPara="1" wrap="square" lIns="91425" tIns="45700" rIns="91425" bIns="45700" anchor="t" anchorCtr="0">
+            <a:noAutofit/>
+          </a:bodyPr>
+          <a:lstStyle/>
+          <a:p>
+            <a:pPr marL="0" lvl="0" indent="0" algn="l" rtl="0">
+              <a:spcBef>
+                <a:spcPts val="0"/>
+              </a:spcBef>
+              <a:spcAft>
+                <a:spcPts val="0"/>
+              </a:spcAft>
+              <a:buNone/>
+            </a:pPr>
+            <a:r>
+              <a:rPr lang="en-US"/>
+              <a:t>We pair a discriminator with the generator. Discriminator is a standard network we’ve seen before; it’s a classifier. It takes in an image, and predicts whether the image is real or fake. </a:t>
+            </a:r>
+            <a:endParaRPr/>
+          </a:p>
+        </p:txBody>
+      </p:sp>
+      <p:sp>
+        <p:nvSpPr>
+          <p:cNvPr id="158" name="Google Shape;158;p9:notes"/>
+          <p:cNvSpPr txBox="1">
+            <a:spLocks noGrp="1"/>
+          </p:cNvSpPr>
+          <p:nvPr>
+            <p:ph type="sldNum" idx="12"/>
+          </p:nvPr>
+        </p:nvSpPr>
+        <p:spPr>
+          <a:xfrm>
+            <a:off x="3884613" y="8685213"/>
+            <a:ext cx="2971800" cy="458787"/>
+          </a:xfrm>
+          <a:prstGeom prst="rect">
+            <a:avLst/>
+          </a:prstGeom>
+          <a:noFill/>
+          <a:ln>
+            <a:noFill/>
+          </a:ln>
+        </p:spPr>
+        <p:txBody>
+          <a:bodyPr spcFirstLastPara="1" wrap="square" lIns="91425" tIns="45700" rIns="91425" bIns="45700" anchor="b" anchorCtr="0">
+            <a:noAutofit/>
+          </a:bodyPr>
+          <a:lstStyle/>
+          <a:p>
+            <a:pPr marL="0" lvl="0" indent="0" algn="r" rtl="0">
+              <a:spcBef>
+                <a:spcPts val="0"/>
+              </a:spcBef>
+              <a:spcAft>
+                <a:spcPts val="0"/>
+              </a:spcAft>
+              <a:buNone/>
+            </a:pPr>
+            <a:fld id="{00000000-1234-1234-1234-123412341234}" type="slidenum">
+              <a:rPr lang="en-US"/>
+              <a:t>22</a:t>
+            </a:fld>
+            <a:endParaRPr/>
+          </a:p>
+        </p:txBody>
+      </p:sp>
+    </p:spTree>
+  </p:cSld>
+  <p:clrMapOvr>
+    <a:masterClrMapping/>
+  </p:clrMapOvr>
+</p:notes>
+</file>
+
+<file path=ppt/notesSlides/notesSlide23.xml><?xml version="1.0" encoding="utf-8"?>
+<p:notes xmlns:a="http://schemas.openxmlformats.org/drawingml/2006/main" xmlns:r="http://schemas.openxmlformats.org/officeDocument/2006/relationships" xmlns:p="http://schemas.openxmlformats.org/presentationml/2006/main" showMasterSp="0" showMasterPhAnim="0">
+  <p:cSld>
+    <p:spTree>
+      <p:nvGrpSpPr>
         <p:cNvPr id="1" name="Shape 213"/>
         <p:cNvGrpSpPr/>
         <p:nvPr/>
@@ -2785,115 +4011,11 @@
             </a:pPr>
             <a:fld id="{00000000-1234-1234-1234-123412341234}" type="slidenum">
               <a:rPr lang="en-US"/>
-              <a:t>16</a:t>
+              <a:t>23</a:t>
             </a:fld>
             <a:endParaRPr/>
           </a:p>
         </p:txBody>
-      </p:sp>
-    </p:spTree>
-  </p:cSld>
-  <p:clrMapOvr>
-    <a:masterClrMapping/>
-  </p:clrMapOvr>
-</p:notes>
-</file>
-
-<file path=ppt/notesSlides/notesSlide2.xml><?xml version="1.0" encoding="utf-8"?>
-<p:notes xmlns:a="http://schemas.openxmlformats.org/drawingml/2006/main" xmlns:r="http://schemas.openxmlformats.org/officeDocument/2006/relationships" xmlns:p="http://schemas.openxmlformats.org/presentationml/2006/main" showMasterSp="0" showMasterPhAnim="0">
-  <p:cSld>
-    <p:spTree>
-      <p:nvGrpSpPr>
-        <p:cNvPr id="1" name="Shape 98"/>
-        <p:cNvGrpSpPr/>
-        <p:nvPr/>
-      </p:nvGrpSpPr>
-      <p:grpSpPr>
-        <a:xfrm>
-          <a:off x="0" y="0"/>
-          <a:ext cx="0" cy="0"/>
-          <a:chOff x="0" y="0"/>
-          <a:chExt cx="0" cy="0"/>
-        </a:xfrm>
-      </p:grpSpPr>
-      <p:sp>
-        <p:nvSpPr>
-          <p:cNvPr id="99" name="Google Shape;99;p2:notes"/>
-          <p:cNvSpPr txBox="1">
-            <a:spLocks noGrp="1"/>
-          </p:cNvSpPr>
-          <p:nvPr>
-            <p:ph type="body" idx="1"/>
-          </p:nvPr>
-        </p:nvSpPr>
-        <p:spPr>
-          <a:xfrm>
-            <a:off x="685800" y="4400550"/>
-            <a:ext cx="5486400" cy="3600450"/>
-          </a:xfrm>
-          <a:prstGeom prst="rect">
-            <a:avLst/>
-          </a:prstGeom>
-        </p:spPr>
-        <p:txBody>
-          <a:bodyPr spcFirstLastPara="1" wrap="square" lIns="91425" tIns="45700" rIns="91425" bIns="45700" anchor="t" anchorCtr="0">
-            <a:noAutofit/>
-          </a:bodyPr>
-          <a:lstStyle/>
-          <a:p>
-            <a:pPr marL="0" lvl="0" indent="0" algn="l" rtl="0">
-              <a:spcBef>
-                <a:spcPts val="0"/>
-              </a:spcBef>
-              <a:spcAft>
-                <a:spcPts val="0"/>
-              </a:spcAft>
-              <a:buNone/>
-            </a:pPr>
-            <a:endParaRPr/>
-          </a:p>
-        </p:txBody>
-      </p:sp>
-      <p:sp>
-        <p:nvSpPr>
-          <p:cNvPr id="100" name="Google Shape;100;p2:notes"/>
-          <p:cNvSpPr>
-            <a:spLocks noGrp="1" noRot="1" noChangeAspect="1"/>
-          </p:cNvSpPr>
-          <p:nvPr>
-            <p:ph type="sldImg" idx="2"/>
-          </p:nvPr>
-        </p:nvSpPr>
-        <p:spPr>
-          <a:xfrm>
-            <a:off x="685800" y="1143000"/>
-            <a:ext cx="5486400" cy="3086100"/>
-          </a:xfrm>
-          <a:custGeom>
-            <a:avLst/>
-            <a:gdLst/>
-            <a:ahLst/>
-            <a:cxnLst/>
-            <a:rect l="l" t="t" r="r" b="b"/>
-            <a:pathLst>
-              <a:path w="120000" h="120000" extrusionOk="0">
-                <a:moveTo>
-                  <a:pt x="0" y="0"/>
-                </a:moveTo>
-                <a:lnTo>
-                  <a:pt x="120000" y="0"/>
-                </a:lnTo>
-                <a:lnTo>
-                  <a:pt x="120000" y="120000"/>
-                </a:lnTo>
-                <a:lnTo>
-                  <a:pt x="0" y="120000"/>
-                </a:lnTo>
-                <a:close/>
-              </a:path>
-            </a:pathLst>
-          </a:custGeom>
-        </p:spPr>
       </p:sp>
     </p:spTree>
   </p:cSld>
@@ -14762,7 +15884,7 @@
         </p:nvSpPr>
         <p:spPr>
           <a:xfrm>
-            <a:off x="1325629" y="639657"/>
+            <a:off x="-329379" y="498056"/>
             <a:ext cx="9540742" cy="923330"/>
           </a:xfrm>
           <a:prstGeom prst="rect">
@@ -14789,7 +15911,7 @@
               <a:buNone/>
             </a:pPr>
             <a:r>
-              <a:rPr lang="en-US" sz="5400">
+              <a:rPr lang="en-US" sz="5400" dirty="0">
                 <a:solidFill>
                   <a:schemeClr val="dk1"/>
                 </a:solidFill>
@@ -14798,9 +15920,9 @@
                 <a:cs typeface="Economica"/>
                 <a:sym typeface="Economica"/>
               </a:rPr>
-              <a:t>Attention Layers</a:t>
+              <a:t>Attention (Building Block of LLMs)</a:t>
             </a:r>
-            <a:endParaRPr/>
+            <a:endParaRPr dirty="0"/>
           </a:p>
         </p:txBody>
       </p:sp>
@@ -14812,7 +15934,7 @@
         </p:nvSpPr>
         <p:spPr>
           <a:xfrm>
-            <a:off x="772620" y="1992502"/>
+            <a:off x="761734" y="1763902"/>
             <a:ext cx="10093751" cy="4401205"/>
           </a:xfrm>
           <a:prstGeom prst="rect">
@@ -14839,7 +15961,7 @@
               <a:buNone/>
             </a:pPr>
             <a:r>
-              <a:rPr lang="en-US" sz="2000" b="1">
+              <a:rPr lang="en-US" sz="2000" b="1" dirty="0">
                 <a:solidFill>
                   <a:schemeClr val="dk1"/>
                 </a:solidFill>
@@ -14850,7 +15972,7 @@
               </a:rPr>
               <a:t>Drawback of LSTM: Tries to Memorize Everything!</a:t>
             </a:r>
-            <a:endParaRPr/>
+            <a:endParaRPr dirty="0"/>
           </a:p>
           <a:p>
             <a:pPr marL="342900" marR="0" lvl="0" indent="-215900" algn="l" rtl="0">
@@ -14867,7 +15989,7 @@
               <a:buFont typeface="Arial"/>
               <a:buNone/>
             </a:pPr>
-            <a:endParaRPr sz="2000">
+            <a:endParaRPr sz="2000" dirty="0">
               <a:solidFill>
                 <a:schemeClr val="dk1"/>
               </a:solidFill>
@@ -14893,7 +16015,7 @@
               <a:buChar char="•"/>
             </a:pPr>
             <a:r>
-              <a:rPr lang="en-US" sz="2000">
+              <a:rPr lang="en-US" sz="2000" dirty="0">
                 <a:solidFill>
                   <a:schemeClr val="dk1"/>
                 </a:solidFill>
@@ -14905,7 +16027,7 @@
               <a:t>BUT: some pieces of a sequence are more </a:t>
             </a:r>
             <a:br>
-              <a:rPr lang="en-US" sz="2000">
+              <a:rPr lang="en-US" sz="2000" dirty="0">
                 <a:solidFill>
                   <a:schemeClr val="dk1"/>
                 </a:solidFill>
@@ -14916,7 +16038,7 @@
               </a:rPr>
             </a:br>
             <a:r>
-              <a:rPr lang="en-US" sz="2000">
+              <a:rPr lang="en-US" sz="2000" dirty="0">
                 <a:solidFill>
                   <a:schemeClr val="dk1"/>
                 </a:solidFill>
@@ -14928,7 +16050,7 @@
               <a:t>important than others for understanding </a:t>
             </a:r>
             <a:br>
-              <a:rPr lang="en-US" sz="2000">
+              <a:rPr lang="en-US" sz="2000" dirty="0">
                 <a:solidFill>
                   <a:schemeClr val="dk1"/>
                 </a:solidFill>
@@ -14939,7 +16061,7 @@
               </a:rPr>
             </a:br>
             <a:r>
-              <a:rPr lang="en-US" sz="2000">
+              <a:rPr lang="en-US" sz="2000" dirty="0">
                 <a:solidFill>
                   <a:schemeClr val="dk1"/>
                 </a:solidFill>
@@ -14950,7 +16072,7 @@
               </a:rPr>
               <a:t>values at a particular position. </a:t>
             </a:r>
-            <a:endParaRPr/>
+            <a:endParaRPr dirty="0"/>
           </a:p>
           <a:p>
             <a:pPr marL="342900" marR="0" lvl="0" indent="-215900" algn="l" rtl="0">
@@ -14967,7 +16089,7 @@
               <a:buFont typeface="Arial"/>
               <a:buNone/>
             </a:pPr>
-            <a:endParaRPr sz="2000">
+            <a:endParaRPr sz="2000" dirty="0">
               <a:solidFill>
                 <a:schemeClr val="dk1"/>
               </a:solidFill>
@@ -14993,7 +16115,7 @@
               <a:buChar char="•"/>
             </a:pPr>
             <a:r>
-              <a:rPr lang="en-US" sz="2000">
+              <a:rPr lang="en-US" sz="2000" dirty="0">
                 <a:solidFill>
                   <a:schemeClr val="dk1"/>
                 </a:solidFill>
@@ -15005,7 +16127,7 @@
               <a:t>Self-attention Layer: a dense layer that </a:t>
             </a:r>
             <a:br>
-              <a:rPr lang="en-US" sz="2000">
+              <a:rPr lang="en-US" sz="2000" dirty="0">
                 <a:solidFill>
                   <a:schemeClr val="dk1"/>
                 </a:solidFill>
@@ -15016,7 +16138,7 @@
               </a:rPr>
             </a:br>
             <a:r>
-              <a:rPr lang="en-US" sz="2000">
+              <a:rPr lang="en-US" sz="2000" dirty="0">
                 <a:solidFill>
                   <a:schemeClr val="dk1"/>
                 </a:solidFill>
@@ -15028,7 +16150,7 @@
               <a:t>takes sequences of values as input and </a:t>
             </a:r>
             <a:br>
-              <a:rPr lang="en-US" sz="2000">
+              <a:rPr lang="en-US" sz="2000" dirty="0">
                 <a:solidFill>
                   <a:schemeClr val="dk1"/>
                 </a:solidFill>
@@ -15039,7 +16161,7 @@
               </a:rPr>
             </a:br>
             <a:r>
-              <a:rPr lang="en-US" sz="2000">
+              <a:rPr lang="en-US" sz="2000" dirty="0">
                 <a:solidFill>
                   <a:schemeClr val="dk1"/>
                 </a:solidFill>
@@ -15051,7 +16173,7 @@
               <a:t>implements some mechanism to figure</a:t>
             </a:r>
             <a:br>
-              <a:rPr lang="en-US" sz="2000">
+              <a:rPr lang="en-US" sz="2000" dirty="0">
                 <a:solidFill>
                   <a:schemeClr val="dk1"/>
                 </a:solidFill>
@@ -15062,7 +16184,7 @@
               </a:rPr>
             </a:br>
             <a:r>
-              <a:rPr lang="en-US" sz="2000">
+              <a:rPr lang="en-US" sz="2000" dirty="0">
                 <a:solidFill>
                   <a:schemeClr val="dk1"/>
                 </a:solidFill>
@@ -15074,7 +16196,7 @@
               <a:t>out weights that can be used to</a:t>
             </a:r>
             <a:br>
-              <a:rPr lang="en-US" sz="2000">
+              <a:rPr lang="en-US" sz="2000" dirty="0">
                 <a:solidFill>
                   <a:schemeClr val="dk1"/>
                 </a:solidFill>
@@ -15085,7 +16207,7 @@
               </a:rPr>
             </a:br>
             <a:r>
-              <a:rPr lang="en-US" sz="2000">
+              <a:rPr lang="en-US" sz="2000" dirty="0">
                 <a:solidFill>
                   <a:schemeClr val="dk1"/>
                 </a:solidFill>
@@ -15096,7 +16218,7 @@
               </a:rPr>
               <a:t>amplify or attenuate sequence elements.</a:t>
             </a:r>
-            <a:endParaRPr/>
+            <a:endParaRPr dirty="0"/>
           </a:p>
           <a:p>
             <a:pPr marL="342900" marR="0" lvl="0" indent="-215900" algn="l" rtl="0">
@@ -15113,7 +16235,7 @@
               <a:buFont typeface="Arial"/>
               <a:buNone/>
             </a:pPr>
-            <a:endParaRPr sz="2000">
+            <a:endParaRPr sz="2000" dirty="0">
               <a:solidFill>
                 <a:schemeClr val="dk1"/>
               </a:solidFill>
@@ -15139,7 +16261,7 @@
               <a:buChar char="•"/>
             </a:pPr>
             <a:r>
-              <a:rPr lang="en-US" sz="2000">
+              <a:rPr lang="en-US" sz="2000" dirty="0">
                 <a:solidFill>
                   <a:schemeClr val="dk1"/>
                 </a:solidFill>
@@ -15151,7 +16273,7 @@
               <a:t>Basically, it gives the network a way to</a:t>
             </a:r>
             <a:br>
-              <a:rPr lang="en-US" sz="2000">
+              <a:rPr lang="en-US" sz="2000" dirty="0">
                 <a:solidFill>
                   <a:schemeClr val="dk1"/>
                 </a:solidFill>
@@ -15162,7 +16284,7 @@
               </a:rPr>
             </a:br>
             <a:r>
-              <a:rPr lang="en-US" sz="2000">
+              <a:rPr lang="en-US" sz="2000" dirty="0">
                 <a:solidFill>
                   <a:schemeClr val="dk1"/>
                 </a:solidFill>
@@ -15173,7 +16295,7 @@
               </a:rPr>
               <a:t>shift focus to certain items that are useful </a:t>
             </a:r>
-            <a:endParaRPr/>
+            <a:endParaRPr dirty="0"/>
           </a:p>
         </p:txBody>
       </p:sp>
@@ -15805,7 +16927,7 @@
 </file>
 
 <file path=ppt/slides/slide15.xml><?xml version="1.0" encoding="utf-8"?>
-<p:sld xmlns:a="http://schemas.openxmlformats.org/drawingml/2006/main" xmlns:r="http://schemas.openxmlformats.org/officeDocument/2006/relationships" xmlns:p="http://schemas.openxmlformats.org/presentationml/2006/main">
+<p:sld xmlns:a="http://schemas.openxmlformats.org/drawingml/2006/main" xmlns:r="http://schemas.openxmlformats.org/officeDocument/2006/relationships" xmlns:p="http://schemas.openxmlformats.org/presentationml/2006/main" show="0">
   <p:cSld>
     <p:spTree>
       <p:nvGrpSpPr>
@@ -16102,7 +17224,7 @@
   <p:cSld>
     <p:spTree>
       <p:nvGrpSpPr>
-        <p:cNvPr id="1" name="Shape 217"/>
+        <p:cNvPr id="1" name="Shape 109"/>
         <p:cNvGrpSpPr/>
         <p:nvPr/>
       </p:nvGrpSpPr>
@@ -16116,14 +17238,14 @@
       </p:grpSpPr>
       <p:sp>
         <p:nvSpPr>
-          <p:cNvPr id="218" name="Google Shape;218;p17"/>
+          <p:cNvPr id="110" name="Google Shape;110;p3"/>
           <p:cNvSpPr txBox="1"/>
           <p:nvPr/>
         </p:nvSpPr>
         <p:spPr>
           <a:xfrm>
-            <a:off x="1750621" y="2828835"/>
-            <a:ext cx="8690758" cy="1200329"/>
+            <a:off x="609600" y="586938"/>
+            <a:ext cx="10972800" cy="923330"/>
           </a:xfrm>
           <a:prstGeom prst="rect">
             <a:avLst/>
@@ -16149,7 +17271,7 @@
               <a:buNone/>
             </a:pPr>
             <a:r>
-              <a:rPr lang="en-US" sz="7200">
+              <a:rPr lang="en-US" sz="5400" dirty="0">
                 <a:solidFill>
                   <a:schemeClr val="dk1"/>
                 </a:solidFill>
@@ -16158,12 +17280,1256 @@
                 <a:cs typeface="Economica"/>
                 <a:sym typeface="Economica"/>
               </a:rPr>
-              <a:t>Questions?</a:t>
+              <a:t>Other Generative Models</a:t>
+            </a:r>
+            <a:endParaRPr dirty="0"/>
+          </a:p>
+        </p:txBody>
+      </p:sp>
+      <p:sp>
+        <p:nvSpPr>
+          <p:cNvPr id="111" name="Google Shape;111;p3"/>
+          <p:cNvSpPr txBox="1"/>
+          <p:nvPr/>
+        </p:nvSpPr>
+        <p:spPr>
+          <a:xfrm>
+            <a:off x="995679" y="1858752"/>
+            <a:ext cx="10200640" cy="1754326"/>
+          </a:xfrm>
+          <a:prstGeom prst="rect">
+            <a:avLst/>
+          </a:prstGeom>
+          <a:noFill/>
+          <a:ln>
+            <a:noFill/>
+          </a:ln>
+        </p:spPr>
+        <p:txBody>
+          <a:bodyPr spcFirstLastPara="1" wrap="square" lIns="91425" tIns="45700" rIns="91425" bIns="45700" anchor="t" anchorCtr="0">
+            <a:spAutoFit/>
+          </a:bodyPr>
+          <a:lstStyle/>
+          <a:p>
+            <a:pPr marL="0" marR="0" lvl="0" indent="0" algn="just" rtl="0">
+              <a:spcBef>
+                <a:spcPts val="0"/>
+              </a:spcBef>
+              <a:spcAft>
+                <a:spcPts val="0"/>
+              </a:spcAft>
+              <a:buNone/>
+            </a:pPr>
+            <a:r>
+              <a:rPr lang="en-US" sz="1800" b="1" u="sng">
+                <a:solidFill>
+                  <a:schemeClr val="accent1"/>
+                </a:solidFill>
+                <a:latin typeface="Arial"/>
+                <a:ea typeface="Arial"/>
+                <a:cs typeface="Arial"/>
+                <a:sym typeface="Arial"/>
+              </a:rPr>
+              <a:t>Generative Models Have Taken Off</a:t>
+            </a:r>
+            <a:endParaRPr/>
+          </a:p>
+          <a:p>
+            <a:pPr marL="0" marR="0" lvl="0" indent="0" algn="just" rtl="0">
+              <a:spcBef>
+                <a:spcPts val="0"/>
+              </a:spcBef>
+              <a:spcAft>
+                <a:spcPts val="0"/>
+              </a:spcAft>
+              <a:buNone/>
+            </a:pPr>
+            <a:endParaRPr sz="1800" b="1" u="sng">
+              <a:solidFill>
+                <a:schemeClr val="accent1"/>
+              </a:solidFill>
+              <a:latin typeface="Arial"/>
+              <a:ea typeface="Arial"/>
+              <a:cs typeface="Arial"/>
+              <a:sym typeface="Arial"/>
+            </a:endParaRPr>
+          </a:p>
+          <a:p>
+            <a:pPr marL="285750" marR="0" lvl="0" indent="-285750" algn="just" rtl="0">
+              <a:spcBef>
+                <a:spcPts val="0"/>
+              </a:spcBef>
+              <a:spcAft>
+                <a:spcPts val="0"/>
+              </a:spcAft>
+              <a:buClr>
+                <a:schemeClr val="dk1"/>
+              </a:buClr>
+              <a:buSzPts val="1800"/>
+              <a:buFont typeface="Arial"/>
+              <a:buChar char="•"/>
+            </a:pPr>
+            <a:r>
+              <a:rPr lang="en-US" sz="1800" b="1">
+                <a:solidFill>
+                  <a:schemeClr val="dk1"/>
+                </a:solidFill>
+                <a:latin typeface="Arial"/>
+                <a:ea typeface="Arial"/>
+                <a:cs typeface="Arial"/>
+                <a:sym typeface="Arial"/>
+              </a:rPr>
+              <a:t>Text-to-Image:</a:t>
+            </a:r>
+            <a:r>
+              <a:rPr lang="en-US" sz="1800">
+                <a:solidFill>
+                  <a:schemeClr val="dk1"/>
+                </a:solidFill>
+                <a:latin typeface="Arial"/>
+                <a:ea typeface="Arial"/>
+                <a:cs typeface="Arial"/>
+                <a:sym typeface="Arial"/>
+              </a:rPr>
+              <a:t> Midjourney, Stable Diffusion, DALL-E, etc.</a:t>
+            </a:r>
+            <a:endParaRPr/>
+          </a:p>
+          <a:p>
+            <a:pPr marL="285750" marR="0" lvl="0" indent="-285750" algn="just" rtl="0">
+              <a:spcBef>
+                <a:spcPts val="0"/>
+              </a:spcBef>
+              <a:spcAft>
+                <a:spcPts val="0"/>
+              </a:spcAft>
+              <a:buClr>
+                <a:schemeClr val="dk1"/>
+              </a:buClr>
+              <a:buSzPts val="1800"/>
+              <a:buFont typeface="Arial"/>
+              <a:buChar char="•"/>
+            </a:pPr>
+            <a:r>
+              <a:rPr lang="en-US" sz="1800" b="1">
+                <a:solidFill>
+                  <a:schemeClr val="dk1"/>
+                </a:solidFill>
+                <a:latin typeface="Arial"/>
+                <a:ea typeface="Arial"/>
+                <a:cs typeface="Arial"/>
+                <a:sym typeface="Arial"/>
+              </a:rPr>
+              <a:t>Audio + Photo to Video: </a:t>
+            </a:r>
+            <a:r>
+              <a:rPr lang="en-US" sz="1800">
+                <a:solidFill>
+                  <a:schemeClr val="dk1"/>
+                </a:solidFill>
+                <a:latin typeface="Arial"/>
+                <a:ea typeface="Arial"/>
+                <a:cs typeface="Arial"/>
+                <a:sym typeface="Arial"/>
+              </a:rPr>
+              <a:t>D-ID</a:t>
+            </a:r>
+            <a:endParaRPr/>
+          </a:p>
+          <a:p>
+            <a:pPr marL="285750" marR="0" lvl="0" indent="-285750" algn="just" rtl="0">
+              <a:spcBef>
+                <a:spcPts val="0"/>
+              </a:spcBef>
+              <a:spcAft>
+                <a:spcPts val="0"/>
+              </a:spcAft>
+              <a:buClr>
+                <a:schemeClr val="dk1"/>
+              </a:buClr>
+              <a:buSzPts val="1800"/>
+              <a:buFont typeface="Arial"/>
+              <a:buChar char="•"/>
+            </a:pPr>
+            <a:r>
+              <a:rPr lang="en-US" sz="1800" b="1">
+                <a:solidFill>
+                  <a:schemeClr val="dk1"/>
+                </a:solidFill>
+                <a:latin typeface="Arial"/>
+                <a:ea typeface="Arial"/>
+                <a:cs typeface="Arial"/>
+                <a:sym typeface="Arial"/>
+              </a:rPr>
+              <a:t>Text to Voice: </a:t>
+            </a:r>
+            <a:r>
+              <a:rPr lang="en-US" sz="1800">
+                <a:solidFill>
+                  <a:schemeClr val="dk1"/>
+                </a:solidFill>
+                <a:latin typeface="Arial"/>
+                <a:ea typeface="Arial"/>
+                <a:cs typeface="Arial"/>
+                <a:sym typeface="Arial"/>
+              </a:rPr>
+              <a:t>ElevenLabs</a:t>
+            </a:r>
+            <a:endParaRPr sz="1800">
+              <a:solidFill>
+                <a:schemeClr val="dk1"/>
+              </a:solidFill>
+              <a:latin typeface="Arial"/>
+              <a:ea typeface="Arial"/>
+              <a:cs typeface="Arial"/>
+              <a:sym typeface="Arial"/>
+            </a:endParaRPr>
+          </a:p>
+          <a:p>
+            <a:pPr marL="285750" marR="0" lvl="0" indent="-171450" algn="just" rtl="0">
+              <a:spcBef>
+                <a:spcPts val="0"/>
+              </a:spcBef>
+              <a:spcAft>
+                <a:spcPts val="0"/>
+              </a:spcAft>
+              <a:buClr>
+                <a:schemeClr val="dk1"/>
+              </a:buClr>
+              <a:buSzPts val="1800"/>
+              <a:buFont typeface="Arial"/>
+              <a:buNone/>
+            </a:pPr>
+            <a:endParaRPr sz="1800">
+              <a:solidFill>
+                <a:schemeClr val="dk1"/>
+              </a:solidFill>
+              <a:latin typeface="Arial"/>
+              <a:ea typeface="Arial"/>
+              <a:cs typeface="Arial"/>
+              <a:sym typeface="Arial"/>
+            </a:endParaRPr>
+          </a:p>
+        </p:txBody>
+      </p:sp>
+      <p:pic>
+        <p:nvPicPr>
+          <p:cNvPr id="112" name="Google Shape;112;p3" descr="How to Create Visually Stunning Images with Midjourney Bot » Dulu Lain  Sekarang Lain"/>
+          <p:cNvPicPr preferRelativeResize="0"/>
+          <p:nvPr/>
+        </p:nvPicPr>
+        <p:blipFill rotWithShape="1">
+          <a:blip r:embed="rId3">
+            <a:alphaModFix/>
+          </a:blip>
+          <a:srcRect/>
+          <a:stretch/>
+        </p:blipFill>
+        <p:spPr>
+          <a:xfrm>
+            <a:off x="1136603" y="3772547"/>
+            <a:ext cx="4516097" cy="2027226"/>
+          </a:xfrm>
+          <a:prstGeom prst="rect">
+            <a:avLst/>
+          </a:prstGeom>
+          <a:noFill/>
+          <a:ln>
+            <a:noFill/>
+          </a:ln>
+          <a:effectLst>
+            <a:outerShdw blurRad="292100" dist="139700" dir="2700000" algn="tl" rotWithShape="0">
+              <a:srgbClr val="333333">
+                <a:alpha val="64705"/>
+              </a:srgbClr>
+            </a:outerShdw>
+          </a:effectLst>
+        </p:spPr>
+      </p:pic>
+      <p:pic>
+        <p:nvPicPr>
+          <p:cNvPr id="113" name="Google Shape;113;p3" descr="Dall-E 2: How to Get Early Access - Geekflare"/>
+          <p:cNvPicPr preferRelativeResize="0"/>
+          <p:nvPr/>
+        </p:nvPicPr>
+        <p:blipFill rotWithShape="1">
+          <a:blip r:embed="rId4">
+            <a:alphaModFix/>
+          </a:blip>
+          <a:srcRect/>
+          <a:stretch/>
+        </p:blipFill>
+        <p:spPr>
+          <a:xfrm>
+            <a:off x="5966812" y="4822309"/>
+            <a:ext cx="4604658" cy="1477328"/>
+          </a:xfrm>
+          <a:prstGeom prst="rect">
+            <a:avLst/>
+          </a:prstGeom>
+          <a:noFill/>
+          <a:ln>
+            <a:noFill/>
+          </a:ln>
+          <a:effectLst>
+            <a:outerShdw blurRad="292100" dist="139700" dir="2700000" algn="tl" rotWithShape="0">
+              <a:srgbClr val="333333">
+                <a:alpha val="64705"/>
+              </a:srgbClr>
+            </a:outerShdw>
+          </a:effectLst>
+        </p:spPr>
+      </p:pic>
+      <p:pic>
+        <p:nvPicPr>
+          <p:cNvPr id="114" name="Google Shape;114;p3"/>
+          <p:cNvPicPr preferRelativeResize="0"/>
+          <p:nvPr/>
+        </p:nvPicPr>
+        <p:blipFill rotWithShape="1">
+          <a:blip r:embed="rId5">
+            <a:alphaModFix/>
+          </a:blip>
+          <a:srcRect/>
+          <a:stretch/>
+        </p:blipFill>
+        <p:spPr>
+          <a:xfrm>
+            <a:off x="8948419" y="3349913"/>
+            <a:ext cx="2247900" cy="723900"/>
+          </a:xfrm>
+          <a:prstGeom prst="rect">
+            <a:avLst/>
+          </a:prstGeom>
+          <a:noFill/>
+          <a:ln>
+            <a:noFill/>
+          </a:ln>
+          <a:effectLst>
+            <a:outerShdw blurRad="292100" dist="139700" dir="2700000" algn="tl" rotWithShape="0">
+              <a:srgbClr val="333333">
+                <a:alpha val="64705"/>
+              </a:srgbClr>
+            </a:outerShdw>
+          </a:effectLst>
+        </p:spPr>
+      </p:pic>
+      <p:pic>
+        <p:nvPicPr>
+          <p:cNvPr id="115" name="Google Shape;115;p3"/>
+          <p:cNvPicPr preferRelativeResize="0"/>
+          <p:nvPr/>
+        </p:nvPicPr>
+        <p:blipFill rotWithShape="1">
+          <a:blip r:embed="rId6">
+            <a:alphaModFix/>
+          </a:blip>
+          <a:srcRect/>
+          <a:stretch/>
+        </p:blipFill>
+        <p:spPr>
+          <a:xfrm>
+            <a:off x="7757966" y="3650290"/>
+            <a:ext cx="850900" cy="723900"/>
+          </a:xfrm>
+          <a:prstGeom prst="rect">
+            <a:avLst/>
+          </a:prstGeom>
+          <a:noFill/>
+          <a:ln>
+            <a:noFill/>
+          </a:ln>
+        </p:spPr>
+      </p:pic>
+    </p:spTree>
+  </p:cSld>
+  <p:clrMapOvr>
+    <a:masterClrMapping/>
+  </p:clrMapOvr>
+</p:sld>
+</file>
+
+<file path=ppt/slides/slide17.xml><?xml version="1.0" encoding="utf-8"?>
+<p:sld xmlns:a="http://schemas.openxmlformats.org/drawingml/2006/main" xmlns:r="http://schemas.openxmlformats.org/officeDocument/2006/relationships" xmlns:p="http://schemas.openxmlformats.org/presentationml/2006/main">
+  <p:cSld>
+    <p:spTree>
+      <p:nvGrpSpPr>
+        <p:cNvPr id="1" name="Shape 120"/>
+        <p:cNvGrpSpPr/>
+        <p:nvPr/>
+      </p:nvGrpSpPr>
+      <p:grpSpPr>
+        <a:xfrm>
+          <a:off x="0" y="0"/>
+          <a:ext cx="0" cy="0"/>
+          <a:chOff x="0" y="0"/>
+          <a:chExt cx="0" cy="0"/>
+        </a:xfrm>
+      </p:grpSpPr>
+      <p:sp>
+        <p:nvSpPr>
+          <p:cNvPr id="121" name="Google Shape;121;p4"/>
+          <p:cNvSpPr txBox="1"/>
+          <p:nvPr/>
+        </p:nvSpPr>
+        <p:spPr>
+          <a:xfrm>
+            <a:off x="609600" y="586938"/>
+            <a:ext cx="10972800" cy="923330"/>
+          </a:xfrm>
+          <a:prstGeom prst="rect">
+            <a:avLst/>
+          </a:prstGeom>
+          <a:noFill/>
+          <a:ln>
+            <a:noFill/>
+          </a:ln>
+        </p:spPr>
+        <p:txBody>
+          <a:bodyPr spcFirstLastPara="1" wrap="square" lIns="91425" tIns="45700" rIns="91425" bIns="45700" anchor="t" anchorCtr="0">
+            <a:spAutoFit/>
+          </a:bodyPr>
+          <a:lstStyle/>
+          <a:p>
+            <a:pPr marL="0" marR="0" lvl="0" indent="0" algn="ctr" rtl="0">
+              <a:spcBef>
+                <a:spcPts val="0"/>
+              </a:spcBef>
+              <a:spcAft>
+                <a:spcPts val="0"/>
+              </a:spcAft>
+              <a:buNone/>
+            </a:pPr>
+            <a:r>
+              <a:rPr lang="en-US" sz="5400">
+                <a:solidFill>
+                  <a:schemeClr val="dk1"/>
+                </a:solidFill>
+                <a:latin typeface="Economica"/>
+                <a:ea typeface="Economica"/>
+                <a:cs typeface="Economica"/>
+                <a:sym typeface="Economica"/>
+              </a:rPr>
+              <a:t>Generative Adversarial Networks (GANs)</a:t>
             </a:r>
             <a:endParaRPr/>
           </a:p>
         </p:txBody>
       </p:sp>
+      <p:sp>
+        <p:nvSpPr>
+          <p:cNvPr id="122" name="Google Shape;122;p4"/>
+          <p:cNvSpPr txBox="1"/>
+          <p:nvPr/>
+        </p:nvSpPr>
+        <p:spPr>
+          <a:xfrm>
+            <a:off x="995679" y="1858752"/>
+            <a:ext cx="10200640" cy="1477328"/>
+          </a:xfrm>
+          <a:prstGeom prst="rect">
+            <a:avLst/>
+          </a:prstGeom>
+          <a:noFill/>
+          <a:ln>
+            <a:noFill/>
+          </a:ln>
+        </p:spPr>
+        <p:txBody>
+          <a:bodyPr spcFirstLastPara="1" wrap="square" lIns="91425" tIns="45700" rIns="91425" bIns="45700" anchor="t" anchorCtr="0">
+            <a:spAutoFit/>
+          </a:bodyPr>
+          <a:lstStyle/>
+          <a:p>
+            <a:pPr marL="0" marR="0" lvl="0" indent="0" algn="just" rtl="0">
+              <a:spcBef>
+                <a:spcPts val="0"/>
+              </a:spcBef>
+              <a:spcAft>
+                <a:spcPts val="0"/>
+              </a:spcAft>
+              <a:buNone/>
+            </a:pPr>
+            <a:r>
+              <a:rPr lang="en-US" sz="1800" b="1" u="sng">
+                <a:solidFill>
+                  <a:schemeClr val="accent1"/>
+                </a:solidFill>
+                <a:latin typeface="Arial"/>
+                <a:ea typeface="Arial"/>
+                <a:cs typeface="Arial"/>
+                <a:sym typeface="Arial"/>
+              </a:rPr>
+              <a:t>GANs are a Powerful Flexible Tool for Generative Modeling</a:t>
+            </a:r>
+            <a:endParaRPr/>
+          </a:p>
+          <a:p>
+            <a:pPr marL="0" marR="0" lvl="0" indent="0" algn="just" rtl="0">
+              <a:spcBef>
+                <a:spcPts val="0"/>
+              </a:spcBef>
+              <a:spcAft>
+                <a:spcPts val="0"/>
+              </a:spcAft>
+              <a:buNone/>
+            </a:pPr>
+            <a:endParaRPr sz="1800" b="1" u="sng">
+              <a:solidFill>
+                <a:schemeClr val="accent1"/>
+              </a:solidFill>
+              <a:latin typeface="Arial"/>
+              <a:ea typeface="Arial"/>
+              <a:cs typeface="Arial"/>
+              <a:sym typeface="Arial"/>
+            </a:endParaRPr>
+          </a:p>
+          <a:p>
+            <a:pPr marL="285750" marR="0" lvl="0" indent="-285750" algn="just" rtl="0">
+              <a:spcBef>
+                <a:spcPts val="0"/>
+              </a:spcBef>
+              <a:spcAft>
+                <a:spcPts val="0"/>
+              </a:spcAft>
+              <a:buClr>
+                <a:schemeClr val="dk1"/>
+              </a:buClr>
+              <a:buSzPts val="1800"/>
+              <a:buFont typeface="Arial"/>
+              <a:buChar char="•"/>
+            </a:pPr>
+            <a:r>
+              <a:rPr lang="en-US" sz="1800">
+                <a:solidFill>
+                  <a:schemeClr val="dk1"/>
+                </a:solidFill>
+                <a:latin typeface="Arial"/>
+                <a:ea typeface="Arial"/>
+                <a:cs typeface="Arial"/>
+                <a:sym typeface="Arial"/>
+              </a:rPr>
+              <a:t>What is a GAN? How do GANs work?</a:t>
+            </a:r>
+            <a:endParaRPr/>
+          </a:p>
+          <a:p>
+            <a:pPr marL="285750" marR="0" lvl="0" indent="-285750" algn="just" rtl="0">
+              <a:spcBef>
+                <a:spcPts val="0"/>
+              </a:spcBef>
+              <a:spcAft>
+                <a:spcPts val="0"/>
+              </a:spcAft>
+              <a:buClr>
+                <a:schemeClr val="dk1"/>
+              </a:buClr>
+              <a:buSzPts val="1800"/>
+              <a:buFont typeface="Arial"/>
+              <a:buChar char="•"/>
+            </a:pPr>
+            <a:r>
+              <a:rPr lang="en-US" sz="1800">
+                <a:solidFill>
+                  <a:schemeClr val="dk1"/>
+                </a:solidFill>
+                <a:latin typeface="Arial"/>
+                <a:ea typeface="Arial"/>
+                <a:cs typeface="Arial"/>
+                <a:sym typeface="Arial"/>
+              </a:rPr>
+              <a:t>What problems can we address with GANs?</a:t>
+            </a:r>
+            <a:endParaRPr/>
+          </a:p>
+          <a:p>
+            <a:pPr marL="285750" marR="0" lvl="0" indent="-285750" algn="just" rtl="0">
+              <a:spcBef>
+                <a:spcPts val="0"/>
+              </a:spcBef>
+              <a:spcAft>
+                <a:spcPts val="0"/>
+              </a:spcAft>
+              <a:buClr>
+                <a:schemeClr val="dk1"/>
+              </a:buClr>
+              <a:buSzPts val="1800"/>
+              <a:buFont typeface="Arial"/>
+              <a:buChar char="•"/>
+            </a:pPr>
+            <a:r>
+              <a:rPr lang="en-US" sz="1800">
+                <a:solidFill>
+                  <a:schemeClr val="dk1"/>
+                </a:solidFill>
+                <a:latin typeface="Arial"/>
+                <a:ea typeface="Arial"/>
+                <a:cs typeface="Arial"/>
+                <a:sym typeface="Arial"/>
+              </a:rPr>
+              <a:t>How do we implement a GAN?</a:t>
+            </a:r>
+            <a:endParaRPr/>
+          </a:p>
+        </p:txBody>
+      </p:sp>
+      <p:pic>
+        <p:nvPicPr>
+          <p:cNvPr id="123" name="Google Shape;123;p4"/>
+          <p:cNvPicPr preferRelativeResize="0"/>
+          <p:nvPr/>
+        </p:nvPicPr>
+        <p:blipFill rotWithShape="1">
+          <a:blip r:embed="rId3">
+            <a:alphaModFix/>
+          </a:blip>
+          <a:srcRect/>
+          <a:stretch/>
+        </p:blipFill>
+        <p:spPr>
+          <a:xfrm>
+            <a:off x="3132532" y="3867418"/>
+            <a:ext cx="5926934" cy="2403644"/>
+          </a:xfrm>
+          <a:prstGeom prst="rect">
+            <a:avLst/>
+          </a:prstGeom>
+          <a:noFill/>
+          <a:ln w="38100" cap="sq" cmpd="sng">
+            <a:solidFill>
+              <a:srgbClr val="000000"/>
+            </a:solidFill>
+            <a:prstDash val="solid"/>
+            <a:miter lim="800000"/>
+            <a:headEnd type="none" w="sm" len="sm"/>
+            <a:tailEnd type="none" w="sm" len="sm"/>
+          </a:ln>
+          <a:effectLst>
+            <a:outerShdw blurRad="50800" dist="38100" dir="2700000" algn="tl" rotWithShape="0">
+              <a:srgbClr val="000000">
+                <a:alpha val="42745"/>
+              </a:srgbClr>
+            </a:outerShdw>
+          </a:effectLst>
+        </p:spPr>
+      </p:pic>
+    </p:spTree>
+  </p:cSld>
+  <p:clrMapOvr>
+    <a:masterClrMapping/>
+  </p:clrMapOvr>
+</p:sld>
+</file>
+
+<file path=ppt/slides/slide18.xml><?xml version="1.0" encoding="utf-8"?>
+<p:sld xmlns:a="http://schemas.openxmlformats.org/drawingml/2006/main" xmlns:r="http://schemas.openxmlformats.org/officeDocument/2006/relationships" xmlns:p="http://schemas.openxmlformats.org/presentationml/2006/main">
+  <p:cSld>
+    <p:spTree>
+      <p:nvGrpSpPr>
+        <p:cNvPr id="1" name="Shape 127"/>
+        <p:cNvGrpSpPr/>
+        <p:nvPr/>
+      </p:nvGrpSpPr>
+      <p:grpSpPr>
+        <a:xfrm>
+          <a:off x="0" y="0"/>
+          <a:ext cx="0" cy="0"/>
+          <a:chOff x="0" y="0"/>
+          <a:chExt cx="0" cy="0"/>
+        </a:xfrm>
+      </p:grpSpPr>
+      <p:sp>
+        <p:nvSpPr>
+          <p:cNvPr id="128" name="Google Shape;128;p5"/>
+          <p:cNvSpPr txBox="1"/>
+          <p:nvPr/>
+        </p:nvSpPr>
+        <p:spPr>
+          <a:xfrm>
+            <a:off x="609600" y="586938"/>
+            <a:ext cx="10972800" cy="923330"/>
+          </a:xfrm>
+          <a:prstGeom prst="rect">
+            <a:avLst/>
+          </a:prstGeom>
+          <a:noFill/>
+          <a:ln>
+            <a:noFill/>
+          </a:ln>
+        </p:spPr>
+        <p:txBody>
+          <a:bodyPr spcFirstLastPara="1" wrap="square" lIns="91425" tIns="45700" rIns="91425" bIns="45700" anchor="t" anchorCtr="0">
+            <a:spAutoFit/>
+          </a:bodyPr>
+          <a:lstStyle/>
+          <a:p>
+            <a:pPr marL="0" marR="0" lvl="0" indent="0" algn="ctr" rtl="0">
+              <a:spcBef>
+                <a:spcPts val="0"/>
+              </a:spcBef>
+              <a:spcAft>
+                <a:spcPts val="0"/>
+              </a:spcAft>
+              <a:buNone/>
+            </a:pPr>
+            <a:r>
+              <a:rPr lang="en-US" sz="5400" dirty="0">
+                <a:solidFill>
+                  <a:schemeClr val="dk1"/>
+                </a:solidFill>
+                <a:latin typeface="Economica"/>
+                <a:ea typeface="Economica"/>
+                <a:cs typeface="Economica"/>
+                <a:sym typeface="Economica"/>
+              </a:rPr>
+              <a:t>The Goal of a GAN</a:t>
+            </a:r>
+            <a:endParaRPr dirty="0"/>
+          </a:p>
+        </p:txBody>
+      </p:sp>
+      <p:pic>
+        <p:nvPicPr>
+          <p:cNvPr id="129" name="Google Shape;129;p5"/>
+          <p:cNvPicPr preferRelativeResize="0"/>
+          <p:nvPr/>
+        </p:nvPicPr>
+        <p:blipFill rotWithShape="1">
+          <a:blip r:embed="rId3">
+            <a:alphaModFix/>
+          </a:blip>
+          <a:srcRect/>
+          <a:stretch/>
+        </p:blipFill>
+        <p:spPr>
+          <a:xfrm>
+            <a:off x="2914650" y="4054806"/>
+            <a:ext cx="6362700" cy="2324100"/>
+          </a:xfrm>
+          <a:prstGeom prst="rect">
+            <a:avLst/>
+          </a:prstGeom>
+          <a:noFill/>
+          <a:ln>
+            <a:noFill/>
+          </a:ln>
+        </p:spPr>
+      </p:pic>
+      <p:sp>
+        <p:nvSpPr>
+          <p:cNvPr id="130" name="Google Shape;130;p5"/>
+          <p:cNvSpPr txBox="1"/>
+          <p:nvPr/>
+        </p:nvSpPr>
+        <p:spPr>
+          <a:xfrm>
+            <a:off x="995679" y="1858752"/>
+            <a:ext cx="10200640" cy="2031325"/>
+          </a:xfrm>
+          <a:prstGeom prst="rect">
+            <a:avLst/>
+          </a:prstGeom>
+          <a:noFill/>
+          <a:ln>
+            <a:noFill/>
+          </a:ln>
+        </p:spPr>
+        <p:txBody>
+          <a:bodyPr spcFirstLastPara="1" wrap="square" lIns="91425" tIns="45700" rIns="91425" bIns="45700" anchor="t" anchorCtr="0">
+            <a:spAutoFit/>
+          </a:bodyPr>
+          <a:lstStyle/>
+          <a:p>
+            <a:pPr marL="0" marR="0" lvl="0" indent="0" algn="just" rtl="0">
+              <a:spcBef>
+                <a:spcPts val="0"/>
+              </a:spcBef>
+              <a:spcAft>
+                <a:spcPts val="0"/>
+              </a:spcAft>
+              <a:buNone/>
+            </a:pPr>
+            <a:r>
+              <a:rPr lang="en-US" sz="1800" b="1" u="sng">
+                <a:solidFill>
+                  <a:schemeClr val="accent1"/>
+                </a:solidFill>
+                <a:latin typeface="Arial"/>
+                <a:ea typeface="Arial"/>
+                <a:cs typeface="Arial"/>
+                <a:sym typeface="Arial"/>
+              </a:rPr>
+              <a:t>Synthesize Samples That Conform to the Real Data’s Distribution</a:t>
+            </a:r>
+            <a:endParaRPr/>
+          </a:p>
+          <a:p>
+            <a:pPr marL="0" marR="0" lvl="0" indent="0" algn="just" rtl="0">
+              <a:spcBef>
+                <a:spcPts val="0"/>
+              </a:spcBef>
+              <a:spcAft>
+                <a:spcPts val="0"/>
+              </a:spcAft>
+              <a:buNone/>
+            </a:pPr>
+            <a:endParaRPr sz="1800" b="1" u="sng">
+              <a:solidFill>
+                <a:schemeClr val="accent1"/>
+              </a:solidFill>
+              <a:latin typeface="Arial"/>
+              <a:ea typeface="Arial"/>
+              <a:cs typeface="Arial"/>
+              <a:sym typeface="Arial"/>
+            </a:endParaRPr>
+          </a:p>
+          <a:p>
+            <a:pPr marL="285750" marR="0" lvl="0" indent="-285750" algn="just" rtl="0">
+              <a:spcBef>
+                <a:spcPts val="0"/>
+              </a:spcBef>
+              <a:spcAft>
+                <a:spcPts val="0"/>
+              </a:spcAft>
+              <a:buClr>
+                <a:schemeClr val="dk1"/>
+              </a:buClr>
+              <a:buSzPts val="1800"/>
+              <a:buFont typeface="Arial"/>
+              <a:buChar char="•"/>
+            </a:pPr>
+            <a:r>
+              <a:rPr lang="en-US" sz="1800">
+                <a:solidFill>
+                  <a:schemeClr val="dk1"/>
+                </a:solidFill>
+                <a:latin typeface="Arial"/>
+                <a:ea typeface="Arial"/>
+                <a:cs typeface="Arial"/>
+                <a:sym typeface="Arial"/>
+              </a:rPr>
+              <a:t>We train a network to produce synthetic samples that are indistinguishable from true samples. </a:t>
+            </a:r>
+            <a:endParaRPr/>
+          </a:p>
+          <a:p>
+            <a:pPr marL="285750" marR="0" lvl="0" indent="-285750" algn="just" rtl="0">
+              <a:spcBef>
+                <a:spcPts val="0"/>
+              </a:spcBef>
+              <a:spcAft>
+                <a:spcPts val="0"/>
+              </a:spcAft>
+              <a:buClr>
+                <a:schemeClr val="dk1"/>
+              </a:buClr>
+              <a:buSzPts val="1800"/>
+              <a:buFont typeface="Arial"/>
+              <a:buChar char="•"/>
+            </a:pPr>
+            <a:r>
+              <a:rPr lang="en-US" sz="1800">
+                <a:solidFill>
+                  <a:schemeClr val="dk1"/>
+                </a:solidFill>
+                <a:latin typeface="Arial"/>
+                <a:ea typeface="Arial"/>
+                <a:cs typeface="Arial"/>
+                <a:sym typeface="Arial"/>
+              </a:rPr>
+              <a:t>More concrete, this means we train a network to learn the probability distribution of real data.</a:t>
+            </a:r>
+            <a:endParaRPr/>
+          </a:p>
+          <a:p>
+            <a:pPr marL="285750" marR="0" lvl="0" indent="-285750" algn="just" rtl="0">
+              <a:spcBef>
+                <a:spcPts val="0"/>
+              </a:spcBef>
+              <a:spcAft>
+                <a:spcPts val="0"/>
+              </a:spcAft>
+              <a:buClr>
+                <a:schemeClr val="dk1"/>
+              </a:buClr>
+              <a:buSzPts val="1800"/>
+              <a:buFont typeface="Arial"/>
+              <a:buChar char="•"/>
+            </a:pPr>
+            <a:r>
+              <a:rPr lang="en-US" sz="1800">
+                <a:solidFill>
+                  <a:schemeClr val="dk1"/>
+                </a:solidFill>
+                <a:latin typeface="Arial"/>
+                <a:ea typeface="Arial"/>
+                <a:cs typeface="Arial"/>
+                <a:sym typeface="Arial"/>
+              </a:rPr>
+              <a:t>For example, learn the joint probability distribution of pixel values in a set of images.</a:t>
+            </a:r>
+            <a:endParaRPr/>
+          </a:p>
+          <a:p>
+            <a:pPr marL="285750" marR="0" lvl="0" indent="-285750" algn="just" rtl="0">
+              <a:spcBef>
+                <a:spcPts val="0"/>
+              </a:spcBef>
+              <a:spcAft>
+                <a:spcPts val="0"/>
+              </a:spcAft>
+              <a:buClr>
+                <a:schemeClr val="dk1"/>
+              </a:buClr>
+              <a:buSzPts val="1800"/>
+              <a:buFont typeface="Arial"/>
+              <a:buChar char="•"/>
+            </a:pPr>
+            <a:r>
+              <a:rPr lang="en-US" sz="1800">
+                <a:solidFill>
+                  <a:schemeClr val="dk1"/>
+                </a:solidFill>
+                <a:latin typeface="Arial"/>
+                <a:ea typeface="Arial"/>
+                <a:cs typeface="Arial"/>
+                <a:sym typeface="Arial"/>
+              </a:rPr>
+              <a:t>So, the resulting network could take a random vector of noise as input, and map it to a synthetic output that looks very similar to real data.</a:t>
+            </a:r>
+            <a:endParaRPr/>
+          </a:p>
+        </p:txBody>
+      </p:sp>
+    </p:spTree>
+  </p:cSld>
+  <p:clrMapOvr>
+    <a:masterClrMapping/>
+  </p:clrMapOvr>
+</p:sld>
+</file>
+
+<file path=ppt/slides/slide19.xml><?xml version="1.0" encoding="utf-8"?>
+<p:sld xmlns:a="http://schemas.openxmlformats.org/drawingml/2006/main" xmlns:r="http://schemas.openxmlformats.org/officeDocument/2006/relationships" xmlns:p="http://schemas.openxmlformats.org/presentationml/2006/main">
+  <p:cSld>
+    <p:spTree>
+      <p:nvGrpSpPr>
+        <p:cNvPr id="1" name="Shape 135"/>
+        <p:cNvGrpSpPr/>
+        <p:nvPr/>
+      </p:nvGrpSpPr>
+      <p:grpSpPr>
+        <a:xfrm>
+          <a:off x="0" y="0"/>
+          <a:ext cx="0" cy="0"/>
+          <a:chOff x="0" y="0"/>
+          <a:chExt cx="0" cy="0"/>
+        </a:xfrm>
+      </p:grpSpPr>
+      <p:sp>
+        <p:nvSpPr>
+          <p:cNvPr id="136" name="Google Shape;136;p6"/>
+          <p:cNvSpPr txBox="1"/>
+          <p:nvPr/>
+        </p:nvSpPr>
+        <p:spPr>
+          <a:xfrm>
+            <a:off x="609600" y="586938"/>
+            <a:ext cx="10972800" cy="923330"/>
+          </a:xfrm>
+          <a:prstGeom prst="rect">
+            <a:avLst/>
+          </a:prstGeom>
+          <a:noFill/>
+          <a:ln>
+            <a:noFill/>
+          </a:ln>
+        </p:spPr>
+        <p:txBody>
+          <a:bodyPr spcFirstLastPara="1" wrap="square" lIns="91425" tIns="45700" rIns="91425" bIns="45700" anchor="t" anchorCtr="0">
+            <a:spAutoFit/>
+          </a:bodyPr>
+          <a:lstStyle/>
+          <a:p>
+            <a:pPr marL="0" marR="0" lvl="0" indent="0" algn="ctr" rtl="0">
+              <a:spcBef>
+                <a:spcPts val="0"/>
+              </a:spcBef>
+              <a:spcAft>
+                <a:spcPts val="0"/>
+              </a:spcAft>
+              <a:buNone/>
+            </a:pPr>
+            <a:r>
+              <a:rPr lang="en-US" sz="5400">
+                <a:solidFill>
+                  <a:schemeClr val="dk1"/>
+                </a:solidFill>
+                <a:latin typeface="Economica"/>
+                <a:ea typeface="Economica"/>
+                <a:cs typeface="Economica"/>
+                <a:sym typeface="Economica"/>
+              </a:rPr>
+              <a:t>How Might We Do This?</a:t>
+            </a:r>
+            <a:endParaRPr/>
+          </a:p>
+        </p:txBody>
+      </p:sp>
+      <p:sp>
+        <p:nvSpPr>
+          <p:cNvPr id="137" name="Google Shape;137;p6"/>
+          <p:cNvSpPr txBox="1"/>
+          <p:nvPr/>
+        </p:nvSpPr>
+        <p:spPr>
+          <a:xfrm>
+            <a:off x="995679" y="2011152"/>
+            <a:ext cx="10200600" cy="2308800"/>
+          </a:xfrm>
+          <a:prstGeom prst="rect">
+            <a:avLst/>
+          </a:prstGeom>
+          <a:noFill/>
+          <a:ln>
+            <a:noFill/>
+          </a:ln>
+        </p:spPr>
+        <p:txBody>
+          <a:bodyPr spcFirstLastPara="1" wrap="square" lIns="91425" tIns="45700" rIns="91425" bIns="45700" anchor="t" anchorCtr="0">
+            <a:spAutoFit/>
+          </a:bodyPr>
+          <a:lstStyle/>
+          <a:p>
+            <a:pPr marL="0" marR="0" lvl="0" indent="0" algn="just" rtl="0">
+              <a:spcBef>
+                <a:spcPts val="0"/>
+              </a:spcBef>
+              <a:spcAft>
+                <a:spcPts val="0"/>
+              </a:spcAft>
+              <a:buNone/>
+            </a:pPr>
+            <a:r>
+              <a:rPr lang="en-US" sz="1800" b="1" u="sng">
+                <a:solidFill>
+                  <a:schemeClr val="accent1"/>
+                </a:solidFill>
+                <a:latin typeface="Arial"/>
+                <a:ea typeface="Arial"/>
+                <a:cs typeface="Arial"/>
+                <a:sym typeface="Arial"/>
+              </a:rPr>
+              <a:t>A Neural Net That Produces Image Output</a:t>
+            </a:r>
+            <a:endParaRPr/>
+          </a:p>
+          <a:p>
+            <a:pPr marL="0" marR="0" lvl="0" indent="0" algn="just" rtl="0">
+              <a:spcBef>
+                <a:spcPts val="0"/>
+              </a:spcBef>
+              <a:spcAft>
+                <a:spcPts val="0"/>
+              </a:spcAft>
+              <a:buNone/>
+            </a:pPr>
+            <a:endParaRPr sz="1800" b="1" u="sng">
+              <a:solidFill>
+                <a:schemeClr val="accent1"/>
+              </a:solidFill>
+              <a:latin typeface="Arial"/>
+              <a:ea typeface="Arial"/>
+              <a:cs typeface="Arial"/>
+              <a:sym typeface="Arial"/>
+            </a:endParaRPr>
+          </a:p>
+          <a:p>
+            <a:pPr marL="285750" marR="0" lvl="0" indent="-285750" algn="just" rtl="0">
+              <a:spcBef>
+                <a:spcPts val="0"/>
+              </a:spcBef>
+              <a:spcAft>
+                <a:spcPts val="0"/>
+              </a:spcAft>
+              <a:buClr>
+                <a:schemeClr val="dk1"/>
+              </a:buClr>
+              <a:buSzPts val="1800"/>
+              <a:buFont typeface="Arial"/>
+              <a:buChar char="•"/>
+            </a:pPr>
+            <a:r>
+              <a:rPr lang="en-US" sz="1800">
+                <a:solidFill>
+                  <a:schemeClr val="dk1"/>
+                </a:solidFill>
+                <a:latin typeface="Arial"/>
+                <a:ea typeface="Arial"/>
+                <a:cs typeface="Arial"/>
+                <a:sym typeface="Arial"/>
+              </a:rPr>
+              <a:t>Take in a random vector as input, and have it produce image predictions.</a:t>
+            </a:r>
+            <a:endParaRPr/>
+          </a:p>
+          <a:p>
+            <a:pPr marL="285750" marR="0" lvl="0" indent="-285750" algn="just" rtl="0">
+              <a:spcBef>
+                <a:spcPts val="0"/>
+              </a:spcBef>
+              <a:spcAft>
+                <a:spcPts val="0"/>
+              </a:spcAft>
+              <a:buClr>
+                <a:schemeClr val="dk1"/>
+              </a:buClr>
+              <a:buSzPts val="1800"/>
+              <a:buFont typeface="Arial"/>
+              <a:buChar char="•"/>
+            </a:pPr>
+            <a:r>
+              <a:rPr lang="en-US" sz="1800">
+                <a:solidFill>
+                  <a:schemeClr val="dk1"/>
+                </a:solidFill>
+                <a:latin typeface="Arial"/>
+                <a:ea typeface="Arial"/>
+                <a:cs typeface="Arial"/>
+                <a:sym typeface="Arial"/>
+              </a:rPr>
+              <a:t>Next, compare those predictions with real images. But how? </a:t>
+            </a:r>
+            <a:endParaRPr/>
+          </a:p>
+          <a:p>
+            <a:pPr marL="285750" marR="0" lvl="0" indent="-285750" algn="just" rtl="0">
+              <a:spcBef>
+                <a:spcPts val="0"/>
+              </a:spcBef>
+              <a:spcAft>
+                <a:spcPts val="0"/>
+              </a:spcAft>
+              <a:buClr>
+                <a:schemeClr val="dk1"/>
+              </a:buClr>
+              <a:buSzPts val="1800"/>
+              <a:buFont typeface="Arial"/>
+              <a:buChar char="•"/>
+            </a:pPr>
+            <a:r>
+              <a:rPr lang="en-US" sz="1800">
+                <a:solidFill>
+                  <a:schemeClr val="dk1"/>
+                </a:solidFill>
+                <a:latin typeface="Arial"/>
+                <a:ea typeface="Arial"/>
+                <a:cs typeface="Arial"/>
+                <a:sym typeface="Arial"/>
+              </a:rPr>
+              <a:t>We don’t want it to try to predict a specific image, because then it won’t be able to produce new synthetic examples. </a:t>
+            </a:r>
+            <a:endParaRPr/>
+          </a:p>
+          <a:p>
+            <a:pPr marL="285750" marR="0" lvl="0" indent="-285750" algn="just" rtl="0">
+              <a:spcBef>
+                <a:spcPts val="0"/>
+              </a:spcBef>
+              <a:spcAft>
+                <a:spcPts val="0"/>
+              </a:spcAft>
+              <a:buClr>
+                <a:schemeClr val="dk1"/>
+              </a:buClr>
+              <a:buSzPts val="1800"/>
+              <a:buFont typeface="Arial"/>
+              <a:buChar char="•"/>
+            </a:pPr>
+            <a:r>
+              <a:rPr lang="en-US" sz="1800">
+                <a:solidFill>
+                  <a:schemeClr val="dk1"/>
+                </a:solidFill>
+                <a:latin typeface="Arial"/>
+                <a:ea typeface="Arial"/>
+                <a:cs typeface="Arial"/>
+                <a:sym typeface="Arial"/>
+              </a:rPr>
+              <a:t>The problem? </a:t>
+            </a:r>
+            <a:r>
+              <a:rPr lang="en-US" sz="1800" b="1">
+                <a:solidFill>
+                  <a:schemeClr val="dk1"/>
+                </a:solidFill>
+                <a:latin typeface="Arial"/>
+                <a:ea typeface="Arial"/>
+                <a:cs typeface="Arial"/>
+                <a:sym typeface="Arial"/>
+              </a:rPr>
+              <a:t>The loss function is extremely complicated.  </a:t>
+            </a:r>
+            <a:endParaRPr/>
+          </a:p>
+          <a:p>
+            <a:pPr marL="285750" marR="0" lvl="0" indent="-285750" algn="just" rtl="0">
+              <a:spcBef>
+                <a:spcPts val="0"/>
+              </a:spcBef>
+              <a:spcAft>
+                <a:spcPts val="0"/>
+              </a:spcAft>
+              <a:buClr>
+                <a:schemeClr val="dk1"/>
+              </a:buClr>
+              <a:buSzPts val="1800"/>
+              <a:buFont typeface="Arial"/>
+              <a:buChar char="•"/>
+            </a:pPr>
+            <a:r>
+              <a:rPr lang="en-US" sz="1800">
+                <a:solidFill>
+                  <a:schemeClr val="dk1"/>
+                </a:solidFill>
+                <a:latin typeface="Arial"/>
+                <a:ea typeface="Arial"/>
+                <a:cs typeface="Arial"/>
+                <a:sym typeface="Arial"/>
+              </a:rPr>
+              <a:t>A solution… `</a:t>
+            </a:r>
+            <a:endParaRPr/>
+          </a:p>
+        </p:txBody>
+      </p:sp>
+      <p:pic>
+        <p:nvPicPr>
+          <p:cNvPr id="138" name="Google Shape;138;p6"/>
+          <p:cNvPicPr preferRelativeResize="0"/>
+          <p:nvPr/>
+        </p:nvPicPr>
+        <p:blipFill rotWithShape="1">
+          <a:blip r:embed="rId3">
+            <a:alphaModFix/>
+          </a:blip>
+          <a:srcRect b="53865"/>
+          <a:stretch/>
+        </p:blipFill>
+        <p:spPr>
+          <a:xfrm>
+            <a:off x="3747572" y="4578365"/>
+            <a:ext cx="4696877" cy="1779116"/>
+          </a:xfrm>
+          <a:prstGeom prst="rect">
+            <a:avLst/>
+          </a:prstGeom>
+          <a:noFill/>
+          <a:ln>
+            <a:noFill/>
+          </a:ln>
+        </p:spPr>
+      </p:pic>
     </p:spTree>
   </p:cSld>
   <p:clrMapOvr>
@@ -16666,6 +19032,699 @@
           </a:ln>
         </p:spPr>
       </p:pic>
+    </p:spTree>
+  </p:cSld>
+  <p:clrMapOvr>
+    <a:masterClrMapping/>
+  </p:clrMapOvr>
+</p:sld>
+</file>
+
+<file path=ppt/slides/slide20.xml><?xml version="1.0" encoding="utf-8"?>
+<p:sld xmlns:a="http://schemas.openxmlformats.org/drawingml/2006/main" xmlns:r="http://schemas.openxmlformats.org/officeDocument/2006/relationships" xmlns:p="http://schemas.openxmlformats.org/presentationml/2006/main">
+  <p:cSld>
+    <p:spTree>
+      <p:nvGrpSpPr>
+        <p:cNvPr id="1" name="Shape 143"/>
+        <p:cNvGrpSpPr/>
+        <p:nvPr/>
+      </p:nvGrpSpPr>
+      <p:grpSpPr>
+        <a:xfrm>
+          <a:off x="0" y="0"/>
+          <a:ext cx="0" cy="0"/>
+          <a:chOff x="0" y="0"/>
+          <a:chExt cx="0" cy="0"/>
+        </a:xfrm>
+      </p:grpSpPr>
+      <p:sp>
+        <p:nvSpPr>
+          <p:cNvPr id="144" name="Google Shape;144;p7"/>
+          <p:cNvSpPr txBox="1"/>
+          <p:nvPr/>
+        </p:nvSpPr>
+        <p:spPr>
+          <a:xfrm>
+            <a:off x="609600" y="586938"/>
+            <a:ext cx="10972800" cy="923330"/>
+          </a:xfrm>
+          <a:prstGeom prst="rect">
+            <a:avLst/>
+          </a:prstGeom>
+          <a:noFill/>
+          <a:ln>
+            <a:noFill/>
+          </a:ln>
+        </p:spPr>
+        <p:txBody>
+          <a:bodyPr spcFirstLastPara="1" wrap="square" lIns="91425" tIns="45700" rIns="91425" bIns="45700" anchor="t" anchorCtr="0">
+            <a:spAutoFit/>
+          </a:bodyPr>
+          <a:lstStyle/>
+          <a:p>
+            <a:pPr marL="0" marR="0" lvl="0" indent="0" algn="ctr" rtl="0">
+              <a:spcBef>
+                <a:spcPts val="0"/>
+              </a:spcBef>
+              <a:spcAft>
+                <a:spcPts val="0"/>
+              </a:spcAft>
+              <a:buNone/>
+            </a:pPr>
+            <a:r>
+              <a:rPr lang="en-US" sz="5400">
+                <a:solidFill>
+                  <a:schemeClr val="dk1"/>
+                </a:solidFill>
+                <a:latin typeface="Economica"/>
+                <a:ea typeface="Economica"/>
+                <a:cs typeface="Economica"/>
+                <a:sym typeface="Economica"/>
+              </a:rPr>
+              <a:t>Adversarial Architecture</a:t>
+            </a:r>
+            <a:endParaRPr/>
+          </a:p>
+        </p:txBody>
+      </p:sp>
+      <p:sp>
+        <p:nvSpPr>
+          <p:cNvPr id="145" name="Google Shape;145;p7"/>
+          <p:cNvSpPr txBox="1"/>
+          <p:nvPr/>
+        </p:nvSpPr>
+        <p:spPr>
+          <a:xfrm>
+            <a:off x="753029" y="1705487"/>
+            <a:ext cx="3361168" cy="2031325"/>
+          </a:xfrm>
+          <a:prstGeom prst="rect">
+            <a:avLst/>
+          </a:prstGeom>
+          <a:noFill/>
+          <a:ln>
+            <a:noFill/>
+          </a:ln>
+        </p:spPr>
+        <p:txBody>
+          <a:bodyPr spcFirstLastPara="1" wrap="square" lIns="91425" tIns="45700" rIns="91425" bIns="45700" anchor="t" anchorCtr="0">
+            <a:spAutoFit/>
+          </a:bodyPr>
+          <a:lstStyle/>
+          <a:p>
+            <a:pPr marL="0" marR="0" lvl="0" indent="0" algn="just" rtl="0">
+              <a:spcBef>
+                <a:spcPts val="0"/>
+              </a:spcBef>
+              <a:spcAft>
+                <a:spcPts val="0"/>
+              </a:spcAft>
+              <a:buNone/>
+            </a:pPr>
+            <a:r>
+              <a:rPr lang="en-US" sz="1800" b="1" u="sng">
+                <a:solidFill>
+                  <a:schemeClr val="accent1"/>
+                </a:solidFill>
+                <a:latin typeface="Arial"/>
+                <a:ea typeface="Arial"/>
+                <a:cs typeface="Arial"/>
+                <a:sym typeface="Arial"/>
+              </a:rPr>
+              <a:t>Discriminator</a:t>
+            </a:r>
+            <a:endParaRPr/>
+          </a:p>
+          <a:p>
+            <a:pPr marL="0" marR="0" lvl="0" indent="0" algn="just" rtl="0">
+              <a:spcBef>
+                <a:spcPts val="0"/>
+              </a:spcBef>
+              <a:spcAft>
+                <a:spcPts val="0"/>
+              </a:spcAft>
+              <a:buNone/>
+            </a:pPr>
+            <a:endParaRPr sz="1800" b="1" u="sng">
+              <a:solidFill>
+                <a:schemeClr val="accent1"/>
+              </a:solidFill>
+              <a:latin typeface="Arial"/>
+              <a:ea typeface="Arial"/>
+              <a:cs typeface="Arial"/>
+              <a:sym typeface="Arial"/>
+            </a:endParaRPr>
+          </a:p>
+          <a:p>
+            <a:pPr marL="285750" marR="0" lvl="0" indent="-285750" algn="l" rtl="0">
+              <a:spcBef>
+                <a:spcPts val="0"/>
+              </a:spcBef>
+              <a:spcAft>
+                <a:spcPts val="0"/>
+              </a:spcAft>
+              <a:buClr>
+                <a:schemeClr val="dk1"/>
+              </a:buClr>
+              <a:buSzPts val="1800"/>
+              <a:buFont typeface="Arial"/>
+              <a:buChar char="•"/>
+            </a:pPr>
+            <a:r>
+              <a:rPr lang="en-US" sz="1800">
+                <a:solidFill>
+                  <a:schemeClr val="dk1"/>
+                </a:solidFill>
+                <a:latin typeface="Arial"/>
+                <a:ea typeface="Arial"/>
+                <a:cs typeface="Arial"/>
+                <a:sym typeface="Arial"/>
+              </a:rPr>
+              <a:t>Serves as an adaptive loss function for the generator.</a:t>
+            </a:r>
+            <a:endParaRPr/>
+          </a:p>
+          <a:p>
+            <a:pPr marL="285750" marR="0" lvl="0" indent="-285750" algn="l" rtl="0">
+              <a:spcBef>
+                <a:spcPts val="0"/>
+              </a:spcBef>
+              <a:spcAft>
+                <a:spcPts val="0"/>
+              </a:spcAft>
+              <a:buClr>
+                <a:schemeClr val="dk1"/>
+              </a:buClr>
+              <a:buSzPts val="1800"/>
+              <a:buFont typeface="Arial"/>
+              <a:buChar char="•"/>
+            </a:pPr>
+            <a:r>
+              <a:rPr lang="en-US" sz="1800">
+                <a:solidFill>
+                  <a:schemeClr val="dk1"/>
+                </a:solidFill>
+                <a:latin typeface="Arial"/>
+                <a:ea typeface="Arial"/>
+                <a:cs typeface="Arial"/>
+                <a:sym typeface="Arial"/>
+              </a:rPr>
+              <a:t>It’s a throw-away network that is just there to help train the generator.</a:t>
+            </a:r>
+            <a:endParaRPr/>
+          </a:p>
+        </p:txBody>
+      </p:sp>
+      <p:pic>
+        <p:nvPicPr>
+          <p:cNvPr id="146" name="Google Shape;146;p7"/>
+          <p:cNvPicPr preferRelativeResize="0"/>
+          <p:nvPr/>
+        </p:nvPicPr>
+        <p:blipFill rotWithShape="1">
+          <a:blip r:embed="rId3">
+            <a:alphaModFix/>
+          </a:blip>
+          <a:srcRect/>
+          <a:stretch/>
+        </p:blipFill>
+        <p:spPr>
+          <a:xfrm>
+            <a:off x="2211097" y="3736812"/>
+            <a:ext cx="5382410" cy="2946376"/>
+          </a:xfrm>
+          <a:prstGeom prst="rect">
+            <a:avLst/>
+          </a:prstGeom>
+          <a:noFill/>
+          <a:ln>
+            <a:noFill/>
+          </a:ln>
+        </p:spPr>
+      </p:pic>
+      <p:pic>
+        <p:nvPicPr>
+          <p:cNvPr id="147" name="Google Shape;147;p7"/>
+          <p:cNvPicPr preferRelativeResize="0"/>
+          <p:nvPr/>
+        </p:nvPicPr>
+        <p:blipFill rotWithShape="1">
+          <a:blip r:embed="rId4">
+            <a:alphaModFix/>
+          </a:blip>
+          <a:srcRect/>
+          <a:stretch/>
+        </p:blipFill>
+        <p:spPr>
+          <a:xfrm>
+            <a:off x="6063018" y="2106220"/>
+            <a:ext cx="5519382" cy="1956649"/>
+          </a:xfrm>
+          <a:prstGeom prst="rect">
+            <a:avLst/>
+          </a:prstGeom>
+          <a:noFill/>
+          <a:ln>
+            <a:noFill/>
+          </a:ln>
+        </p:spPr>
+      </p:pic>
+    </p:spTree>
+  </p:cSld>
+  <p:clrMapOvr>
+    <a:masterClrMapping/>
+  </p:clrMapOvr>
+</p:sld>
+</file>
+
+<file path=ppt/slides/slide21.xml><?xml version="1.0" encoding="utf-8"?>
+<p:sld xmlns:a="http://schemas.openxmlformats.org/drawingml/2006/main" xmlns:r="http://schemas.openxmlformats.org/officeDocument/2006/relationships" xmlns:p="http://schemas.openxmlformats.org/presentationml/2006/main">
+  <p:cSld>
+    <p:spTree>
+      <p:nvGrpSpPr>
+        <p:cNvPr id="1" name="Shape 152"/>
+        <p:cNvGrpSpPr/>
+        <p:nvPr/>
+      </p:nvGrpSpPr>
+      <p:grpSpPr>
+        <a:xfrm>
+          <a:off x="0" y="0"/>
+          <a:ext cx="0" cy="0"/>
+          <a:chOff x="0" y="0"/>
+          <a:chExt cx="0" cy="0"/>
+        </a:xfrm>
+      </p:grpSpPr>
+      <p:sp>
+        <p:nvSpPr>
+          <p:cNvPr id="153" name="Google Shape;153;p8"/>
+          <p:cNvSpPr txBox="1"/>
+          <p:nvPr/>
+        </p:nvSpPr>
+        <p:spPr>
+          <a:xfrm>
+            <a:off x="609600" y="586938"/>
+            <a:ext cx="10972800" cy="923330"/>
+          </a:xfrm>
+          <a:prstGeom prst="rect">
+            <a:avLst/>
+          </a:prstGeom>
+          <a:noFill/>
+          <a:ln>
+            <a:noFill/>
+          </a:ln>
+        </p:spPr>
+        <p:txBody>
+          <a:bodyPr spcFirstLastPara="1" wrap="square" lIns="91425" tIns="45700" rIns="91425" bIns="45700" anchor="t" anchorCtr="0">
+            <a:spAutoFit/>
+          </a:bodyPr>
+          <a:lstStyle/>
+          <a:p>
+            <a:pPr marL="0" marR="0" lvl="0" indent="0" algn="ctr" rtl="0">
+              <a:spcBef>
+                <a:spcPts val="0"/>
+              </a:spcBef>
+              <a:spcAft>
+                <a:spcPts val="0"/>
+              </a:spcAft>
+              <a:buNone/>
+            </a:pPr>
+            <a:r>
+              <a:rPr lang="en-US" sz="5400">
+                <a:solidFill>
+                  <a:schemeClr val="dk1"/>
+                </a:solidFill>
+                <a:latin typeface="Economica"/>
+                <a:ea typeface="Economica"/>
+                <a:cs typeface="Economica"/>
+                <a:sym typeface="Economica"/>
+              </a:rPr>
+              <a:t>Adversarial Architecture</a:t>
+            </a:r>
+            <a:endParaRPr/>
+          </a:p>
+        </p:txBody>
+      </p:sp>
+      <p:pic>
+        <p:nvPicPr>
+          <p:cNvPr id="154" name="Google Shape;154;p8" descr="A second diagram of a generator and discriminator"/>
+          <p:cNvPicPr preferRelativeResize="0"/>
+          <p:nvPr/>
+        </p:nvPicPr>
+        <p:blipFill rotWithShape="1">
+          <a:blip r:embed="rId3">
+            <a:alphaModFix/>
+          </a:blip>
+          <a:srcRect/>
+          <a:stretch/>
+        </p:blipFill>
+        <p:spPr>
+          <a:xfrm>
+            <a:off x="2214088" y="1695963"/>
+            <a:ext cx="7763823" cy="5011912"/>
+          </a:xfrm>
+          <a:prstGeom prst="rect">
+            <a:avLst/>
+          </a:prstGeom>
+          <a:noFill/>
+          <a:ln>
+            <a:noFill/>
+          </a:ln>
+        </p:spPr>
+      </p:pic>
+    </p:spTree>
+  </p:cSld>
+  <p:clrMapOvr>
+    <a:masterClrMapping/>
+  </p:clrMapOvr>
+</p:sld>
+</file>
+
+<file path=ppt/slides/slide22.xml><?xml version="1.0" encoding="utf-8"?>
+<p:sld xmlns:a="http://schemas.openxmlformats.org/drawingml/2006/main" xmlns:r="http://schemas.openxmlformats.org/officeDocument/2006/relationships" xmlns:p="http://schemas.openxmlformats.org/presentationml/2006/main">
+  <p:cSld>
+    <p:spTree>
+      <p:nvGrpSpPr>
+        <p:cNvPr id="1" name="Shape 159"/>
+        <p:cNvGrpSpPr/>
+        <p:nvPr/>
+      </p:nvGrpSpPr>
+      <p:grpSpPr>
+        <a:xfrm>
+          <a:off x="0" y="0"/>
+          <a:ext cx="0" cy="0"/>
+          <a:chOff x="0" y="0"/>
+          <a:chExt cx="0" cy="0"/>
+        </a:xfrm>
+      </p:grpSpPr>
+      <p:sp>
+        <p:nvSpPr>
+          <p:cNvPr id="160" name="Google Shape;160;p9"/>
+          <p:cNvSpPr txBox="1"/>
+          <p:nvPr/>
+        </p:nvSpPr>
+        <p:spPr>
+          <a:xfrm>
+            <a:off x="609600" y="586938"/>
+            <a:ext cx="10972800" cy="923330"/>
+          </a:xfrm>
+          <a:prstGeom prst="rect">
+            <a:avLst/>
+          </a:prstGeom>
+          <a:noFill/>
+          <a:ln>
+            <a:noFill/>
+          </a:ln>
+        </p:spPr>
+        <p:txBody>
+          <a:bodyPr spcFirstLastPara="1" wrap="square" lIns="91425" tIns="45700" rIns="91425" bIns="45700" anchor="t" anchorCtr="0">
+            <a:spAutoFit/>
+          </a:bodyPr>
+          <a:lstStyle/>
+          <a:p>
+            <a:pPr marL="0" marR="0" lvl="0" indent="0" algn="ctr" rtl="0">
+              <a:spcBef>
+                <a:spcPts val="0"/>
+              </a:spcBef>
+              <a:spcAft>
+                <a:spcPts val="0"/>
+              </a:spcAft>
+              <a:buNone/>
+            </a:pPr>
+            <a:r>
+              <a:rPr lang="en-US" sz="5400">
+                <a:solidFill>
+                  <a:schemeClr val="dk1"/>
+                </a:solidFill>
+                <a:latin typeface="Economica"/>
+                <a:ea typeface="Economica"/>
+                <a:cs typeface="Economica"/>
+                <a:sym typeface="Economica"/>
+              </a:rPr>
+              <a:t>Conditional GANs</a:t>
+            </a:r>
+            <a:endParaRPr/>
+          </a:p>
+        </p:txBody>
+      </p:sp>
+      <p:sp>
+        <p:nvSpPr>
+          <p:cNvPr id="161" name="Google Shape;161;p9"/>
+          <p:cNvSpPr txBox="1"/>
+          <p:nvPr/>
+        </p:nvSpPr>
+        <p:spPr>
+          <a:xfrm>
+            <a:off x="753028" y="1705487"/>
+            <a:ext cx="10085301" cy="2031325"/>
+          </a:xfrm>
+          <a:prstGeom prst="rect">
+            <a:avLst/>
+          </a:prstGeom>
+          <a:noFill/>
+          <a:ln>
+            <a:noFill/>
+          </a:ln>
+        </p:spPr>
+        <p:txBody>
+          <a:bodyPr spcFirstLastPara="1" wrap="square" lIns="91425" tIns="45700" rIns="91425" bIns="45700" anchor="t" anchorCtr="0">
+            <a:spAutoFit/>
+          </a:bodyPr>
+          <a:lstStyle/>
+          <a:p>
+            <a:pPr marL="0" marR="0" lvl="0" indent="0" algn="just" rtl="0">
+              <a:spcBef>
+                <a:spcPts val="0"/>
+              </a:spcBef>
+              <a:spcAft>
+                <a:spcPts val="0"/>
+              </a:spcAft>
+              <a:buNone/>
+            </a:pPr>
+            <a:r>
+              <a:rPr lang="en-US" sz="1800" b="1" u="sng">
+                <a:solidFill>
+                  <a:schemeClr val="accent1"/>
+                </a:solidFill>
+                <a:latin typeface="Arial"/>
+                <a:ea typeface="Arial"/>
+                <a:cs typeface="Arial"/>
+                <a:sym typeface="Arial"/>
+              </a:rPr>
+              <a:t>GAN /w Labels as Input Too</a:t>
+            </a:r>
+            <a:endParaRPr/>
+          </a:p>
+          <a:p>
+            <a:pPr marL="0" marR="0" lvl="0" indent="0" algn="just" rtl="0">
+              <a:spcBef>
+                <a:spcPts val="0"/>
+              </a:spcBef>
+              <a:spcAft>
+                <a:spcPts val="0"/>
+              </a:spcAft>
+              <a:buNone/>
+            </a:pPr>
+            <a:endParaRPr sz="1800" b="1" u="sng">
+              <a:solidFill>
+                <a:schemeClr val="accent1"/>
+              </a:solidFill>
+              <a:latin typeface="Arial"/>
+              <a:ea typeface="Arial"/>
+              <a:cs typeface="Arial"/>
+              <a:sym typeface="Arial"/>
+            </a:endParaRPr>
+          </a:p>
+          <a:p>
+            <a:pPr marL="285750" marR="0" lvl="0" indent="-285750" algn="l" rtl="0">
+              <a:spcBef>
+                <a:spcPts val="0"/>
+              </a:spcBef>
+              <a:spcAft>
+                <a:spcPts val="0"/>
+              </a:spcAft>
+              <a:buClr>
+                <a:schemeClr val="dk1"/>
+              </a:buClr>
+              <a:buSzPts val="1800"/>
+              <a:buFont typeface="Arial"/>
+              <a:buChar char="•"/>
+            </a:pPr>
+            <a:r>
+              <a:rPr lang="en-US" sz="1800">
+                <a:solidFill>
+                  <a:schemeClr val="dk1"/>
+                </a:solidFill>
+                <a:latin typeface="Arial"/>
+                <a:ea typeface="Arial"/>
+                <a:cs typeface="Arial"/>
+                <a:sym typeface="Arial"/>
+              </a:rPr>
+              <a:t>We don’t want our GAN to just learn P(X); it needs to learn P(X|Y).</a:t>
+            </a:r>
+            <a:endParaRPr/>
+          </a:p>
+          <a:p>
+            <a:pPr marL="285750" marR="0" lvl="0" indent="-285750" algn="l" rtl="0">
+              <a:spcBef>
+                <a:spcPts val="0"/>
+              </a:spcBef>
+              <a:spcAft>
+                <a:spcPts val="0"/>
+              </a:spcAft>
+              <a:buClr>
+                <a:schemeClr val="dk1"/>
+              </a:buClr>
+              <a:buSzPts val="1800"/>
+              <a:buFont typeface="Arial"/>
+              <a:buChar char="•"/>
+            </a:pPr>
+            <a:r>
+              <a:rPr lang="en-US" sz="1800">
+                <a:solidFill>
+                  <a:schemeClr val="dk1"/>
+                </a:solidFill>
+                <a:latin typeface="Arial"/>
+                <a:ea typeface="Arial"/>
+                <a:cs typeface="Arial"/>
+                <a:sym typeface="Arial"/>
+              </a:rPr>
+              <a:t>This is a simple modification; we give two inputs to the generator, a label and a noise vector. So, it tries to produces images that match real images given a particular label, rather than images in general. </a:t>
+            </a:r>
+            <a:endParaRPr/>
+          </a:p>
+          <a:p>
+            <a:pPr marL="285750" marR="0" lvl="0" indent="-285750" algn="l" rtl="0">
+              <a:spcBef>
+                <a:spcPts val="0"/>
+              </a:spcBef>
+              <a:spcAft>
+                <a:spcPts val="0"/>
+              </a:spcAft>
+              <a:buClr>
+                <a:schemeClr val="dk1"/>
+              </a:buClr>
+              <a:buSzPts val="1800"/>
+              <a:buFont typeface="Arial"/>
+              <a:buChar char="•"/>
+            </a:pPr>
+            <a:r>
+              <a:rPr lang="en-US" sz="1800">
+                <a:solidFill>
+                  <a:schemeClr val="dk1"/>
+                </a:solidFill>
+                <a:latin typeface="Arial"/>
+                <a:ea typeface="Arial"/>
+                <a:cs typeface="Arial"/>
+                <a:sym typeface="Arial"/>
+              </a:rPr>
+              <a:t>End result is a generator that you can pass a noise vector and a label, and it spits out an image of that label. </a:t>
+            </a:r>
+            <a:endParaRPr/>
+          </a:p>
+        </p:txBody>
+      </p:sp>
+      <p:pic>
+        <p:nvPicPr>
+          <p:cNvPr id="162" name="Google Shape;162;p9" descr="cGAN: Conditional Generative Adversarial Network — How to Gain Control Over  GAN Outputs | by Saul Dobilas | Towards Data Science"/>
+          <p:cNvPicPr preferRelativeResize="0"/>
+          <p:nvPr/>
+        </p:nvPicPr>
+        <p:blipFill rotWithShape="1">
+          <a:blip r:embed="rId3">
+            <a:alphaModFix/>
+          </a:blip>
+          <a:srcRect/>
+          <a:stretch/>
+        </p:blipFill>
+        <p:spPr>
+          <a:xfrm>
+            <a:off x="3390899" y="3829001"/>
+            <a:ext cx="6717574" cy="2667776"/>
+          </a:xfrm>
+          <a:prstGeom prst="rect">
+            <a:avLst/>
+          </a:prstGeom>
+          <a:noFill/>
+          <a:ln>
+            <a:noFill/>
+          </a:ln>
+        </p:spPr>
+      </p:pic>
+    </p:spTree>
+  </p:cSld>
+  <p:clrMapOvr>
+    <a:masterClrMapping/>
+  </p:clrMapOvr>
+</p:sld>
+</file>
+
+<file path=ppt/slides/slide23.xml><?xml version="1.0" encoding="utf-8"?>
+<p:sld xmlns:a="http://schemas.openxmlformats.org/drawingml/2006/main" xmlns:r="http://schemas.openxmlformats.org/officeDocument/2006/relationships" xmlns:p="http://schemas.openxmlformats.org/presentationml/2006/main">
+  <p:cSld>
+    <p:spTree>
+      <p:nvGrpSpPr>
+        <p:cNvPr id="1" name="Shape 217"/>
+        <p:cNvGrpSpPr/>
+        <p:nvPr/>
+      </p:nvGrpSpPr>
+      <p:grpSpPr>
+        <a:xfrm>
+          <a:off x="0" y="0"/>
+          <a:ext cx="0" cy="0"/>
+          <a:chOff x="0" y="0"/>
+          <a:chExt cx="0" cy="0"/>
+        </a:xfrm>
+      </p:grpSpPr>
+      <p:sp>
+        <p:nvSpPr>
+          <p:cNvPr id="218" name="Google Shape;218;p17"/>
+          <p:cNvSpPr txBox="1"/>
+          <p:nvPr/>
+        </p:nvSpPr>
+        <p:spPr>
+          <a:xfrm>
+            <a:off x="1750621" y="2828835"/>
+            <a:ext cx="8690758" cy="1200329"/>
+          </a:xfrm>
+          <a:prstGeom prst="rect">
+            <a:avLst/>
+          </a:prstGeom>
+          <a:noFill/>
+          <a:ln>
+            <a:noFill/>
+          </a:ln>
+        </p:spPr>
+        <p:txBody>
+          <a:bodyPr spcFirstLastPara="1" wrap="square" lIns="91425" tIns="45700" rIns="91425" bIns="45700" anchor="t" anchorCtr="0">
+            <a:spAutoFit/>
+          </a:bodyPr>
+          <a:lstStyle/>
+          <a:p>
+            <a:pPr marL="0" marR="0" lvl="0" indent="0" algn="ctr" rtl="0">
+              <a:spcBef>
+                <a:spcPts val="0"/>
+              </a:spcBef>
+              <a:spcAft>
+                <a:spcPts val="0"/>
+              </a:spcAft>
+              <a:buNone/>
+            </a:pPr>
+            <a:r>
+              <a:rPr lang="en-US" sz="7200">
+                <a:solidFill>
+                  <a:schemeClr val="dk1"/>
+                </a:solidFill>
+                <a:latin typeface="Economica"/>
+                <a:ea typeface="Economica"/>
+                <a:cs typeface="Economica"/>
+                <a:sym typeface="Economica"/>
+              </a:rPr>
+              <a:t>Questions?</a:t>
+            </a:r>
+            <a:endParaRPr/>
+          </a:p>
+        </p:txBody>
+      </p:sp>
     </p:spTree>
   </p:cSld>
   <p:clrMapOvr>
@@ -23597,10 +26656,14 @@
               <a:buNone/>
             </a:pPr>
             <a:r>
-              <a:rPr lang="en-US" sz="2200" b="1"/>
+              <a:rPr lang="en-US" sz="2200" b="1" dirty="0">
+                <a:latin typeface="Quicksand" pitchFamily="2" charset="77"/>
+              </a:rPr>
               <a:t>We Saw This Last Time</a:t>
             </a:r>
-            <a:endParaRPr/>
+            <a:endParaRPr dirty="0">
+              <a:latin typeface="Quicksand" pitchFamily="2" charset="77"/>
+            </a:endParaRPr>
           </a:p>
           <a:p>
             <a:pPr marL="347663" lvl="1" indent="-236538" algn="l" rtl="0">
@@ -23620,10 +26683,14 @@
               <a:buChar char="•"/>
             </a:pPr>
             <a:r>
-              <a:rPr lang="en-US" sz="1900"/>
+              <a:rPr lang="en-US" sz="1900" dirty="0">
+                <a:latin typeface="Quicksand" pitchFamily="2" charset="77"/>
+              </a:rPr>
               <a:t>Take each sequence as input data, as well as a flipped/reversed copy.</a:t>
             </a:r>
-            <a:endParaRPr/>
+            <a:endParaRPr dirty="0">
+              <a:latin typeface="Quicksand" pitchFamily="2" charset="77"/>
+            </a:endParaRPr>
           </a:p>
           <a:p>
             <a:pPr marL="347663" lvl="1" indent="-236538" algn="l" rtl="0">
@@ -23643,10 +26710,14 @@
               <a:buChar char="•"/>
             </a:pPr>
             <a:r>
-              <a:rPr lang="en-US" sz="1900"/>
+              <a:rPr lang="en-US" sz="1900" dirty="0">
+                <a:latin typeface="Quicksand" pitchFamily="2" charset="77"/>
+              </a:rPr>
               <a:t>Was state of the art for text processing until relatively recently (transformers now dominate).</a:t>
             </a:r>
-            <a:endParaRPr/>
+            <a:endParaRPr dirty="0">
+              <a:latin typeface="Quicksand" pitchFamily="2" charset="77"/>
+            </a:endParaRPr>
           </a:p>
           <a:p>
             <a:pPr marL="347663" lvl="1" indent="-115888" algn="l" rtl="0">
@@ -23665,7 +26736,9 @@
               <a:buSzPts val="1900"/>
               <a:buNone/>
             </a:pPr>
-            <a:endParaRPr sz="1900"/>
+            <a:endParaRPr sz="1900" dirty="0">
+              <a:latin typeface="Quicksand" pitchFamily="2" charset="77"/>
+            </a:endParaRPr>
           </a:p>
           <a:p>
             <a:pPr marL="0" lvl="0" indent="0" algn="l" rtl="0">
@@ -23685,10 +26758,14 @@
               <a:buNone/>
             </a:pPr>
             <a:r>
-              <a:rPr lang="en-US" sz="2200" b="1"/>
+              <a:rPr lang="en-US" sz="2200" b="1" dirty="0">
+                <a:latin typeface="Quicksand" pitchFamily="2" charset="77"/>
+              </a:rPr>
               <a:t>Instead of Time Series We Pass…</a:t>
             </a:r>
-            <a:endParaRPr/>
+            <a:endParaRPr dirty="0">
+              <a:latin typeface="Quicksand" pitchFamily="2" charset="77"/>
+            </a:endParaRPr>
           </a:p>
           <a:p>
             <a:pPr marL="347663" lvl="1" indent="-236538" algn="l" rtl="0">
@@ -23708,10 +26785,14 @@
               <a:buChar char="•"/>
             </a:pPr>
             <a:r>
-              <a:rPr lang="en-US" sz="1900"/>
+              <a:rPr lang="en-US" sz="1900" dirty="0">
+                <a:latin typeface="Quicksand" pitchFamily="2" charset="77"/>
+              </a:rPr>
               <a:t>Sequences of one-hot-encodings of terms.</a:t>
             </a:r>
-            <a:endParaRPr/>
+            <a:endParaRPr dirty="0">
+              <a:latin typeface="Quicksand" pitchFamily="2" charset="77"/>
+            </a:endParaRPr>
           </a:p>
           <a:p>
             <a:pPr marL="347663" lvl="1" indent="-236538" algn="l" rtl="0">
@@ -23731,17 +26812,25 @@
               <a:buChar char="•"/>
             </a:pPr>
             <a:r>
-              <a:rPr lang="en-US" sz="1900"/>
+              <a:rPr lang="en-US" sz="1900" dirty="0">
+                <a:latin typeface="Quicksand" pitchFamily="2" charset="77"/>
+              </a:rPr>
               <a:t>Sequences of pre-trained vector embeddings </a:t>
             </a:r>
             <a:br>
-              <a:rPr lang="en-US" sz="1900"/>
+              <a:rPr lang="en-US" sz="1900" dirty="0">
+                <a:latin typeface="Quicksand" pitchFamily="2" charset="77"/>
+              </a:rPr>
             </a:br>
             <a:r>
-              <a:rPr lang="en-US" sz="1900"/>
+              <a:rPr lang="en-US" sz="1900" dirty="0">
+                <a:latin typeface="Quicksand" pitchFamily="2" charset="77"/>
+              </a:rPr>
               <a:t>of terms.</a:t>
             </a:r>
-            <a:endParaRPr/>
+            <a:endParaRPr dirty="0">
+              <a:latin typeface="Quicksand" pitchFamily="2" charset="77"/>
+            </a:endParaRPr>
           </a:p>
           <a:p>
             <a:pPr marL="347663" lvl="1" indent="-115888" algn="l" rtl="0">
@@ -23760,7 +26849,7 @@
               <a:buSzPts val="1900"/>
               <a:buNone/>
             </a:pPr>
-            <a:endParaRPr sz="1900"/>
+            <a:endParaRPr sz="1900" dirty="0"/>
           </a:p>
         </p:txBody>
       </p:sp>
@@ -23779,7 +26868,7 @@
         </p:blipFill>
         <p:spPr>
           <a:xfrm>
-            <a:off x="6521452" y="3429000"/>
+            <a:off x="7109280" y="3429000"/>
             <a:ext cx="3213098" cy="2834485"/>
           </a:xfrm>
           <a:prstGeom prst="rect">
